--- a/10_Flow.pptx
+++ b/10_Flow.pptx
@@ -4,33 +4,39 @@
   <p:sldMasterIdLst>
     <p:sldMasterId id="2147483648" r:id="rId1"/>
   </p:sldMasterIdLst>
+  <p:notesMasterIdLst>
+    <p:notesMasterId r:id="rId31"/>
+  </p:notesMasterIdLst>
   <p:sldIdLst>
     <p:sldId id="256" r:id="rId2"/>
     <p:sldId id="257" r:id="rId3"/>
-    <p:sldId id="258" r:id="rId4"/>
-    <p:sldId id="259" r:id="rId5"/>
-    <p:sldId id="260" r:id="rId6"/>
-    <p:sldId id="261" r:id="rId7"/>
-    <p:sldId id="262" r:id="rId8"/>
-    <p:sldId id="263" r:id="rId9"/>
-    <p:sldId id="264" r:id="rId10"/>
-    <p:sldId id="265" r:id="rId11"/>
-    <p:sldId id="266" r:id="rId12"/>
-    <p:sldId id="267" r:id="rId13"/>
-    <p:sldId id="268" r:id="rId14"/>
-    <p:sldId id="269" r:id="rId15"/>
-    <p:sldId id="270" r:id="rId16"/>
-    <p:sldId id="271" r:id="rId17"/>
-    <p:sldId id="272" r:id="rId18"/>
-    <p:sldId id="273" r:id="rId19"/>
-    <p:sldId id="275" r:id="rId20"/>
-    <p:sldId id="276" r:id="rId21"/>
-    <p:sldId id="277" r:id="rId22"/>
-    <p:sldId id="278" r:id="rId23"/>
-    <p:sldId id="279" r:id="rId24"/>
-    <p:sldId id="280" r:id="rId25"/>
-    <p:sldId id="281" r:id="rId26"/>
-    <p:sldId id="274" r:id="rId27"/>
+    <p:sldId id="282" r:id="rId4"/>
+    <p:sldId id="258" r:id="rId5"/>
+    <p:sldId id="259" r:id="rId6"/>
+    <p:sldId id="260" r:id="rId7"/>
+    <p:sldId id="261" r:id="rId8"/>
+    <p:sldId id="262" r:id="rId9"/>
+    <p:sldId id="263" r:id="rId10"/>
+    <p:sldId id="264" r:id="rId11"/>
+    <p:sldId id="265" r:id="rId12"/>
+    <p:sldId id="266" r:id="rId13"/>
+    <p:sldId id="267" r:id="rId14"/>
+    <p:sldId id="268" r:id="rId15"/>
+    <p:sldId id="269" r:id="rId16"/>
+    <p:sldId id="270" r:id="rId17"/>
+    <p:sldId id="271" r:id="rId18"/>
+    <p:sldId id="272" r:id="rId19"/>
+    <p:sldId id="273" r:id="rId20"/>
+    <p:sldId id="275" r:id="rId21"/>
+    <p:sldId id="276" r:id="rId22"/>
+    <p:sldId id="277" r:id="rId23"/>
+    <p:sldId id="278" r:id="rId24"/>
+    <p:sldId id="279" r:id="rId25"/>
+    <p:sldId id="280" r:id="rId26"/>
+    <p:sldId id="281" r:id="rId27"/>
+    <p:sldId id="274" r:id="rId28"/>
+    <p:sldId id="283" r:id="rId29"/>
+    <p:sldId id="284" r:id="rId30"/>
   </p:sldIdLst>
   <p:sldSz cx="12192000" cy="6858000"/>
   <p:notesSz cx="6858000" cy="9144000"/>
@@ -129,11 +135,446 @@
       </a:defRPr>
     </a:lvl9pPr>
   </p:defaultTextStyle>
+  <p:extLst>
+    <p:ext uri="{EFAFB233-063F-42B5-8137-9DF3F51BA10A}">
+      <p15:sldGuideLst xmlns:p15="http://schemas.microsoft.com/office/powerpoint/2012/main"/>
+    </p:ext>
+  </p:extLst>
 </p:presentation>
 </file>
 
-<file path=ppt/revisionInfo.xml><?xml version="1.0" encoding="utf-8"?>
-<p1510:revInfo xmlns:a="http://schemas.openxmlformats.org/drawingml/2006/main" xmlns:r="http://schemas.openxmlformats.org/officeDocument/2006/relationships" xmlns:p1510="http://schemas.microsoft.com/office/powerpoint/2015/10/main"/>
+<file path=ppt/notesMasters/notesMaster1.xml><?xml version="1.0" encoding="utf-8"?>
+<p:notesMaster xmlns:a="http://schemas.openxmlformats.org/drawingml/2006/main" xmlns:r="http://schemas.openxmlformats.org/officeDocument/2006/relationships" xmlns:p="http://schemas.openxmlformats.org/presentationml/2006/main">
+  <p:cSld>
+    <p:bg>
+      <p:bgRef idx="1001">
+        <a:schemeClr val="bg1"/>
+      </p:bgRef>
+    </p:bg>
+    <p:spTree>
+      <p:nvGrpSpPr>
+        <p:cNvPr id="1" name=""/>
+        <p:cNvGrpSpPr/>
+        <p:nvPr/>
+      </p:nvGrpSpPr>
+      <p:grpSpPr>
+        <a:xfrm>
+          <a:off x="0" y="0"/>
+          <a:ext cx="0" cy="0"/>
+          <a:chOff x="0" y="0"/>
+          <a:chExt cx="0" cy="0"/>
+        </a:xfrm>
+      </p:grpSpPr>
+      <p:sp>
+        <p:nvSpPr>
+          <p:cNvPr id="2" name="Header Placeholder 1"/>
+          <p:cNvSpPr>
+            <a:spLocks noGrp="1"/>
+          </p:cNvSpPr>
+          <p:nvPr>
+            <p:ph type="hdr" sz="quarter"/>
+          </p:nvPr>
+        </p:nvSpPr>
+        <p:spPr>
+          <a:xfrm>
+            <a:off x="0" y="0"/>
+            <a:ext cx="2971800" cy="458788"/>
+          </a:xfrm>
+          <a:prstGeom prst="rect">
+            <a:avLst/>
+          </a:prstGeom>
+        </p:spPr>
+        <p:txBody>
+          <a:bodyPr vert="horz" lIns="91440" tIns="45720" rIns="91440" bIns="45720" rtlCol="0"/>
+          <a:lstStyle>
+            <a:lvl1pPr algn="l">
+              <a:defRPr sz="1200"/>
+            </a:lvl1pPr>
+          </a:lstStyle>
+          <a:p>
+            <a:endParaRPr lang="zh-TW" altLang="en-US"/>
+          </a:p>
+        </p:txBody>
+      </p:sp>
+      <p:sp>
+        <p:nvSpPr>
+          <p:cNvPr id="3" name="Date Placeholder 2"/>
+          <p:cNvSpPr>
+            <a:spLocks noGrp="1"/>
+          </p:cNvSpPr>
+          <p:nvPr>
+            <p:ph type="dt" idx="1"/>
+          </p:nvPr>
+        </p:nvSpPr>
+        <p:spPr>
+          <a:xfrm>
+            <a:off x="3884613" y="0"/>
+            <a:ext cx="2971800" cy="458788"/>
+          </a:xfrm>
+          <a:prstGeom prst="rect">
+            <a:avLst/>
+          </a:prstGeom>
+        </p:spPr>
+        <p:txBody>
+          <a:bodyPr vert="horz" lIns="91440" tIns="45720" rIns="91440" bIns="45720" rtlCol="0"/>
+          <a:lstStyle>
+            <a:lvl1pPr algn="r">
+              <a:defRPr sz="1200"/>
+            </a:lvl1pPr>
+          </a:lstStyle>
+          <a:p>
+            <a:fld id="{C87E7D6F-8EF1-4204-B67D-D5930E62162B}" type="datetimeFigureOut">
+              <a:rPr lang="zh-TW" altLang="en-US" smtClean="0"/>
+              <a:t>2018/3/15</a:t>
+            </a:fld>
+            <a:endParaRPr lang="zh-TW" altLang="en-US"/>
+          </a:p>
+        </p:txBody>
+      </p:sp>
+      <p:sp>
+        <p:nvSpPr>
+          <p:cNvPr id="4" name="Slide Image Placeholder 3"/>
+          <p:cNvSpPr>
+            <a:spLocks noGrp="1" noRot="1" noChangeAspect="1"/>
+          </p:cNvSpPr>
+          <p:nvPr>
+            <p:ph type="sldImg" idx="2"/>
+          </p:nvPr>
+        </p:nvSpPr>
+        <p:spPr>
+          <a:xfrm>
+            <a:off x="685800" y="1143000"/>
+            <a:ext cx="5486400" cy="3086100"/>
+          </a:xfrm>
+          <a:prstGeom prst="rect">
+            <a:avLst/>
+          </a:prstGeom>
+          <a:noFill/>
+          <a:ln w="12700">
+            <a:solidFill>
+              <a:prstClr val="black"/>
+            </a:solidFill>
+          </a:ln>
+        </p:spPr>
+        <p:txBody>
+          <a:bodyPr vert="horz" lIns="91440" tIns="45720" rIns="91440" bIns="45720" rtlCol="0" anchor="ctr"/>
+          <a:lstStyle/>
+          <a:p>
+            <a:endParaRPr lang="zh-TW" altLang="en-US"/>
+          </a:p>
+        </p:txBody>
+      </p:sp>
+      <p:sp>
+        <p:nvSpPr>
+          <p:cNvPr id="5" name="Notes Placeholder 4"/>
+          <p:cNvSpPr>
+            <a:spLocks noGrp="1"/>
+          </p:cNvSpPr>
+          <p:nvPr>
+            <p:ph type="body" sz="quarter" idx="3"/>
+          </p:nvPr>
+        </p:nvSpPr>
+        <p:spPr>
+          <a:xfrm>
+            <a:off x="685800" y="4400550"/>
+            <a:ext cx="5486400" cy="3600450"/>
+          </a:xfrm>
+          <a:prstGeom prst="rect">
+            <a:avLst/>
+          </a:prstGeom>
+        </p:spPr>
+        <p:txBody>
+          <a:bodyPr vert="horz" lIns="91440" tIns="45720" rIns="91440" bIns="45720" rtlCol="0"/>
+          <a:lstStyle/>
+          <a:p>
+            <a:pPr lvl="0"/>
+            <a:r>
+              <a:rPr lang="en-US" altLang="zh-TW"/>
+              <a:t>Edit Master text styles</a:t>
+            </a:r>
+          </a:p>
+          <a:p>
+            <a:pPr lvl="1"/>
+            <a:r>
+              <a:rPr lang="en-US" altLang="zh-TW"/>
+              <a:t>Second level</a:t>
+            </a:r>
+          </a:p>
+          <a:p>
+            <a:pPr lvl="2"/>
+            <a:r>
+              <a:rPr lang="en-US" altLang="zh-TW"/>
+              <a:t>Third level</a:t>
+            </a:r>
+          </a:p>
+          <a:p>
+            <a:pPr lvl="3"/>
+            <a:r>
+              <a:rPr lang="en-US" altLang="zh-TW"/>
+              <a:t>Fourth level</a:t>
+            </a:r>
+          </a:p>
+          <a:p>
+            <a:pPr lvl="4"/>
+            <a:r>
+              <a:rPr lang="en-US" altLang="zh-TW"/>
+              <a:t>Fifth level</a:t>
+            </a:r>
+            <a:endParaRPr lang="zh-TW" altLang="en-US"/>
+          </a:p>
+        </p:txBody>
+      </p:sp>
+      <p:sp>
+        <p:nvSpPr>
+          <p:cNvPr id="6" name="Footer Placeholder 5"/>
+          <p:cNvSpPr>
+            <a:spLocks noGrp="1"/>
+          </p:cNvSpPr>
+          <p:nvPr>
+            <p:ph type="ftr" sz="quarter" idx="4"/>
+          </p:nvPr>
+        </p:nvSpPr>
+        <p:spPr>
+          <a:xfrm>
+            <a:off x="0" y="8685213"/>
+            <a:ext cx="2971800" cy="458787"/>
+          </a:xfrm>
+          <a:prstGeom prst="rect">
+            <a:avLst/>
+          </a:prstGeom>
+        </p:spPr>
+        <p:txBody>
+          <a:bodyPr vert="horz" lIns="91440" tIns="45720" rIns="91440" bIns="45720" rtlCol="0" anchor="b"/>
+          <a:lstStyle>
+            <a:lvl1pPr algn="l">
+              <a:defRPr sz="1200"/>
+            </a:lvl1pPr>
+          </a:lstStyle>
+          <a:p>
+            <a:endParaRPr lang="zh-TW" altLang="en-US"/>
+          </a:p>
+        </p:txBody>
+      </p:sp>
+      <p:sp>
+        <p:nvSpPr>
+          <p:cNvPr id="7" name="Slide Number Placeholder 6"/>
+          <p:cNvSpPr>
+            <a:spLocks noGrp="1"/>
+          </p:cNvSpPr>
+          <p:nvPr>
+            <p:ph type="sldNum" sz="quarter" idx="5"/>
+          </p:nvPr>
+        </p:nvSpPr>
+        <p:spPr>
+          <a:xfrm>
+            <a:off x="3884613" y="8685213"/>
+            <a:ext cx="2971800" cy="458787"/>
+          </a:xfrm>
+          <a:prstGeom prst="rect">
+            <a:avLst/>
+          </a:prstGeom>
+        </p:spPr>
+        <p:txBody>
+          <a:bodyPr vert="horz" lIns="91440" tIns="45720" rIns="91440" bIns="45720" rtlCol="0" anchor="b"/>
+          <a:lstStyle>
+            <a:lvl1pPr algn="r">
+              <a:defRPr sz="1200"/>
+            </a:lvl1pPr>
+          </a:lstStyle>
+          <a:p>
+            <a:fld id="{6D4F037D-BDAE-462B-B2E7-80D738745661}" type="slidenum">
+              <a:rPr lang="zh-TW" altLang="en-US" smtClean="0"/>
+              <a:t>‹#›</a:t>
+            </a:fld>
+            <a:endParaRPr lang="zh-TW" altLang="en-US"/>
+          </a:p>
+        </p:txBody>
+      </p:sp>
+    </p:spTree>
+    <p:extLst>
+      <p:ext uri="{BB962C8B-B14F-4D97-AF65-F5344CB8AC3E}">
+        <p14:creationId xmlns:p14="http://schemas.microsoft.com/office/powerpoint/2010/main" val="116312130"/>
+      </p:ext>
+    </p:extLst>
+  </p:cSld>
+  <p:clrMap bg1="lt1" tx1="dk1" bg2="lt2" tx2="dk2" accent1="accent1" accent2="accent2" accent3="accent3" accent4="accent4" accent5="accent5" accent6="accent6" hlink="hlink" folHlink="folHlink"/>
+  <p:notesStyle>
+    <a:lvl1pPr marL="0" algn="l" defTabSz="914400" rtl="0" eaLnBrk="1" latinLnBrk="0" hangingPunct="1">
+      <a:defRPr sz="1200" kern="1200">
+        <a:solidFill>
+          <a:schemeClr val="tx1"/>
+        </a:solidFill>
+        <a:latin typeface="+mn-lt"/>
+        <a:ea typeface="+mn-ea"/>
+        <a:cs typeface="+mn-cs"/>
+      </a:defRPr>
+    </a:lvl1pPr>
+    <a:lvl2pPr marL="457200" algn="l" defTabSz="914400" rtl="0" eaLnBrk="1" latinLnBrk="0" hangingPunct="1">
+      <a:defRPr sz="1200" kern="1200">
+        <a:solidFill>
+          <a:schemeClr val="tx1"/>
+        </a:solidFill>
+        <a:latin typeface="+mn-lt"/>
+        <a:ea typeface="+mn-ea"/>
+        <a:cs typeface="+mn-cs"/>
+      </a:defRPr>
+    </a:lvl2pPr>
+    <a:lvl3pPr marL="914400" algn="l" defTabSz="914400" rtl="0" eaLnBrk="1" latinLnBrk="0" hangingPunct="1">
+      <a:defRPr sz="1200" kern="1200">
+        <a:solidFill>
+          <a:schemeClr val="tx1"/>
+        </a:solidFill>
+        <a:latin typeface="+mn-lt"/>
+        <a:ea typeface="+mn-ea"/>
+        <a:cs typeface="+mn-cs"/>
+      </a:defRPr>
+    </a:lvl3pPr>
+    <a:lvl4pPr marL="1371600" algn="l" defTabSz="914400" rtl="0" eaLnBrk="1" latinLnBrk="0" hangingPunct="1">
+      <a:defRPr sz="1200" kern="1200">
+        <a:solidFill>
+          <a:schemeClr val="tx1"/>
+        </a:solidFill>
+        <a:latin typeface="+mn-lt"/>
+        <a:ea typeface="+mn-ea"/>
+        <a:cs typeface="+mn-cs"/>
+      </a:defRPr>
+    </a:lvl4pPr>
+    <a:lvl5pPr marL="1828800" algn="l" defTabSz="914400" rtl="0" eaLnBrk="1" latinLnBrk="0" hangingPunct="1">
+      <a:defRPr sz="1200" kern="1200">
+        <a:solidFill>
+          <a:schemeClr val="tx1"/>
+        </a:solidFill>
+        <a:latin typeface="+mn-lt"/>
+        <a:ea typeface="+mn-ea"/>
+        <a:cs typeface="+mn-cs"/>
+      </a:defRPr>
+    </a:lvl5pPr>
+    <a:lvl6pPr marL="2286000" algn="l" defTabSz="914400" rtl="0" eaLnBrk="1" latinLnBrk="0" hangingPunct="1">
+      <a:defRPr sz="1200" kern="1200">
+        <a:solidFill>
+          <a:schemeClr val="tx1"/>
+        </a:solidFill>
+        <a:latin typeface="+mn-lt"/>
+        <a:ea typeface="+mn-ea"/>
+        <a:cs typeface="+mn-cs"/>
+      </a:defRPr>
+    </a:lvl6pPr>
+    <a:lvl7pPr marL="2743200" algn="l" defTabSz="914400" rtl="0" eaLnBrk="1" latinLnBrk="0" hangingPunct="1">
+      <a:defRPr sz="1200" kern="1200">
+        <a:solidFill>
+          <a:schemeClr val="tx1"/>
+        </a:solidFill>
+        <a:latin typeface="+mn-lt"/>
+        <a:ea typeface="+mn-ea"/>
+        <a:cs typeface="+mn-cs"/>
+      </a:defRPr>
+    </a:lvl7pPr>
+    <a:lvl8pPr marL="3200400" algn="l" defTabSz="914400" rtl="0" eaLnBrk="1" latinLnBrk="0" hangingPunct="1">
+      <a:defRPr sz="1200" kern="1200">
+        <a:solidFill>
+          <a:schemeClr val="tx1"/>
+        </a:solidFill>
+        <a:latin typeface="+mn-lt"/>
+        <a:ea typeface="+mn-ea"/>
+        <a:cs typeface="+mn-cs"/>
+      </a:defRPr>
+    </a:lvl8pPr>
+    <a:lvl9pPr marL="3657600" algn="l" defTabSz="914400" rtl="0" eaLnBrk="1" latinLnBrk="0" hangingPunct="1">
+      <a:defRPr sz="1200" kern="1200">
+        <a:solidFill>
+          <a:schemeClr val="tx1"/>
+        </a:solidFill>
+        <a:latin typeface="+mn-lt"/>
+        <a:ea typeface="+mn-ea"/>
+        <a:cs typeface="+mn-cs"/>
+      </a:defRPr>
+    </a:lvl9pPr>
+  </p:notesStyle>
+</p:notesMaster>
+</file>
+
+<file path=ppt/notesSlides/notesSlide1.xml><?xml version="1.0" encoding="utf-8"?>
+<p:notes xmlns:a="http://schemas.openxmlformats.org/drawingml/2006/main" xmlns:r="http://schemas.openxmlformats.org/officeDocument/2006/relationships" xmlns:p="http://schemas.openxmlformats.org/presentationml/2006/main">
+  <p:cSld>
+    <p:spTree>
+      <p:nvGrpSpPr>
+        <p:cNvPr id="1" name=""/>
+        <p:cNvGrpSpPr/>
+        <p:nvPr/>
+      </p:nvGrpSpPr>
+      <p:grpSpPr>
+        <a:xfrm>
+          <a:off x="0" y="0"/>
+          <a:ext cx="0" cy="0"/>
+          <a:chOff x="0" y="0"/>
+          <a:chExt cx="0" cy="0"/>
+        </a:xfrm>
+      </p:grpSpPr>
+      <p:sp>
+        <p:nvSpPr>
+          <p:cNvPr id="2" name="Slide Image Placeholder 1"/>
+          <p:cNvSpPr>
+            <a:spLocks noGrp="1" noRot="1" noChangeAspect="1"/>
+          </p:cNvSpPr>
+          <p:nvPr>
+            <p:ph type="sldImg"/>
+          </p:nvPr>
+        </p:nvSpPr>
+        <p:spPr/>
+      </p:sp>
+      <p:sp>
+        <p:nvSpPr>
+          <p:cNvPr id="3" name="Notes Placeholder 2"/>
+          <p:cNvSpPr>
+            <a:spLocks noGrp="1"/>
+          </p:cNvSpPr>
+          <p:nvPr>
+            <p:ph type="body" idx="1"/>
+          </p:nvPr>
+        </p:nvSpPr>
+        <p:spPr/>
+        <p:txBody>
+          <a:bodyPr/>
+          <a:lstStyle/>
+          <a:p>
+            <a:endParaRPr lang="zh-TW" altLang="en-US" dirty="0"/>
+          </a:p>
+        </p:txBody>
+      </p:sp>
+      <p:sp>
+        <p:nvSpPr>
+          <p:cNvPr id="4" name="Slide Number Placeholder 3"/>
+          <p:cNvSpPr>
+            <a:spLocks noGrp="1"/>
+          </p:cNvSpPr>
+          <p:nvPr>
+            <p:ph type="sldNum" sz="quarter" idx="10"/>
+          </p:nvPr>
+        </p:nvSpPr>
+        <p:spPr/>
+        <p:txBody>
+          <a:bodyPr/>
+          <a:lstStyle/>
+          <a:p>
+            <a:fld id="{6D4F037D-BDAE-462B-B2E7-80D738745661}" type="slidenum">
+              <a:rPr lang="zh-TW" altLang="en-US" smtClean="0"/>
+              <a:t>28</a:t>
+            </a:fld>
+            <a:endParaRPr lang="zh-TW" altLang="en-US"/>
+          </a:p>
+        </p:txBody>
+      </p:sp>
+    </p:spTree>
+    <p:extLst>
+      <p:ext uri="{BB962C8B-B14F-4D97-AF65-F5344CB8AC3E}">
+        <p14:creationId xmlns:p14="http://schemas.microsoft.com/office/powerpoint/2010/main" val="141581769"/>
+      </p:ext>
+    </p:extLst>
+  </p:cSld>
+  <p:clrMapOvr>
+    <a:masterClrMapping/>
+  </p:clrMapOvr>
+</p:notes>
 </file>
 
 <file path=ppt/slideLayouts/slideLayout1.xml><?xml version="1.0" encoding="utf-8"?>
@@ -285,7 +726,7 @@
           <a:p>
             <a:fld id="{1F251F1B-17D5-4739-B050-36F0A8E7C6DD}" type="datetimeFigureOut">
               <a:rPr lang="zh-TW" altLang="en-US" smtClean="0"/>
-              <a:t>2018/1/20</a:t>
+              <a:t>2018/3/15</a:t>
             </a:fld>
             <a:endParaRPr lang="zh-TW" altLang="en-US"/>
           </a:p>
@@ -485,7 +926,7 @@
           <a:p>
             <a:fld id="{1F251F1B-17D5-4739-B050-36F0A8E7C6DD}" type="datetimeFigureOut">
               <a:rPr lang="zh-TW" altLang="en-US" smtClean="0"/>
-              <a:t>2018/1/20</a:t>
+              <a:t>2018/3/15</a:t>
             </a:fld>
             <a:endParaRPr lang="zh-TW" altLang="en-US"/>
           </a:p>
@@ -695,7 +1136,7 @@
           <a:p>
             <a:fld id="{1F251F1B-17D5-4739-B050-36F0A8E7C6DD}" type="datetimeFigureOut">
               <a:rPr lang="zh-TW" altLang="en-US" smtClean="0"/>
-              <a:t>2018/1/20</a:t>
+              <a:t>2018/3/15</a:t>
             </a:fld>
             <a:endParaRPr lang="zh-TW" altLang="en-US"/>
           </a:p>
@@ -895,7 +1336,7 @@
           <a:p>
             <a:fld id="{1F251F1B-17D5-4739-B050-36F0A8E7C6DD}" type="datetimeFigureOut">
               <a:rPr lang="zh-TW" altLang="en-US" smtClean="0"/>
-              <a:t>2018/1/20</a:t>
+              <a:t>2018/3/15</a:t>
             </a:fld>
             <a:endParaRPr lang="zh-TW" altLang="en-US"/>
           </a:p>
@@ -1171,7 +1612,7 @@
           <a:p>
             <a:fld id="{1F251F1B-17D5-4739-B050-36F0A8E7C6DD}" type="datetimeFigureOut">
               <a:rPr lang="zh-TW" altLang="en-US" smtClean="0"/>
-              <a:t>2018/1/20</a:t>
+              <a:t>2018/3/15</a:t>
             </a:fld>
             <a:endParaRPr lang="zh-TW" altLang="en-US"/>
           </a:p>
@@ -1439,7 +1880,7 @@
           <a:p>
             <a:fld id="{1F251F1B-17D5-4739-B050-36F0A8E7C6DD}" type="datetimeFigureOut">
               <a:rPr lang="zh-TW" altLang="en-US" smtClean="0"/>
-              <a:t>2018/1/20</a:t>
+              <a:t>2018/3/15</a:t>
             </a:fld>
             <a:endParaRPr lang="zh-TW" altLang="en-US"/>
           </a:p>
@@ -1854,7 +2295,7 @@
           <a:p>
             <a:fld id="{1F251F1B-17D5-4739-B050-36F0A8E7C6DD}" type="datetimeFigureOut">
               <a:rPr lang="zh-TW" altLang="en-US" smtClean="0"/>
-              <a:t>2018/1/20</a:t>
+              <a:t>2018/3/15</a:t>
             </a:fld>
             <a:endParaRPr lang="zh-TW" altLang="en-US"/>
           </a:p>
@@ -1996,7 +2437,7 @@
           <a:p>
             <a:fld id="{1F251F1B-17D5-4739-B050-36F0A8E7C6DD}" type="datetimeFigureOut">
               <a:rPr lang="zh-TW" altLang="en-US" smtClean="0"/>
-              <a:t>2018/1/20</a:t>
+              <a:t>2018/3/15</a:t>
             </a:fld>
             <a:endParaRPr lang="zh-TW" altLang="en-US"/>
           </a:p>
@@ -2109,7 +2550,7 @@
           <a:p>
             <a:fld id="{1F251F1B-17D5-4739-B050-36F0A8E7C6DD}" type="datetimeFigureOut">
               <a:rPr lang="zh-TW" altLang="en-US" smtClean="0"/>
-              <a:t>2018/1/20</a:t>
+              <a:t>2018/3/15</a:t>
             </a:fld>
             <a:endParaRPr lang="zh-TW" altLang="en-US"/>
           </a:p>
@@ -2422,7 +2863,7 @@
           <a:p>
             <a:fld id="{1F251F1B-17D5-4739-B050-36F0A8E7C6DD}" type="datetimeFigureOut">
               <a:rPr lang="zh-TW" altLang="en-US" smtClean="0"/>
-              <a:t>2018/1/20</a:t>
+              <a:t>2018/3/15</a:t>
             </a:fld>
             <a:endParaRPr lang="zh-TW" altLang="en-US"/>
           </a:p>
@@ -2711,7 +3152,7 @@
           <a:p>
             <a:fld id="{1F251F1B-17D5-4739-B050-36F0A8E7C6DD}" type="datetimeFigureOut">
               <a:rPr lang="zh-TW" altLang="en-US" smtClean="0"/>
-              <a:t>2018/1/20</a:t>
+              <a:t>2018/3/15</a:t>
             </a:fld>
             <a:endParaRPr lang="zh-TW" altLang="en-US"/>
           </a:p>
@@ -2954,7 +3395,7 @@
           <a:p>
             <a:fld id="{1F251F1B-17D5-4739-B050-36F0A8E7C6DD}" type="datetimeFigureOut">
               <a:rPr lang="zh-TW" altLang="en-US" smtClean="0"/>
-              <a:t>2018/1/20</a:t>
+              <a:t>2018/3/15</a:t>
             </a:fld>
             <a:endParaRPr lang="zh-TW" altLang="en-US"/>
           </a:p>
@@ -3468,6 +3909,116 @@
           <p:cNvPr id="2" name="Title 1">
             <a:extLst>
               <a:ext uri="{FF2B5EF4-FFF2-40B4-BE49-F238E27FC236}">
+                <a16:creationId xmlns:a16="http://schemas.microsoft.com/office/drawing/2014/main" id="{026C3AAB-EE96-45C9-A7C7-D26B98E066EC}"/>
+              </a:ext>
+            </a:extLst>
+          </p:cNvPr>
+          <p:cNvSpPr>
+            <a:spLocks noGrp="1"/>
+          </p:cNvSpPr>
+          <p:nvPr>
+            <p:ph type="title"/>
+          </p:nvPr>
+        </p:nvSpPr>
+        <p:spPr/>
+        <p:txBody>
+          <a:bodyPr/>
+          <a:lstStyle/>
+          <a:p>
+            <a:endParaRPr lang="zh-TW" altLang="en-US"/>
+          </a:p>
+        </p:txBody>
+      </p:sp>
+      <p:sp>
+        <p:nvSpPr>
+          <p:cNvPr id="3" name="Content Placeholder 2">
+            <a:extLst>
+              <a:ext uri="{FF2B5EF4-FFF2-40B4-BE49-F238E27FC236}">
+                <a16:creationId xmlns:a16="http://schemas.microsoft.com/office/drawing/2014/main" id="{B5DF7757-8F9E-48BF-8B0B-E97409025340}"/>
+              </a:ext>
+            </a:extLst>
+          </p:cNvPr>
+          <p:cNvSpPr>
+            <a:spLocks noGrp="1"/>
+          </p:cNvSpPr>
+          <p:nvPr>
+            <p:ph idx="1"/>
+          </p:nvPr>
+        </p:nvSpPr>
+        <p:spPr/>
+        <p:txBody>
+          <a:bodyPr/>
+          <a:lstStyle/>
+          <a:p>
+            <a:endParaRPr lang="zh-TW" altLang="en-US"/>
+          </a:p>
+        </p:txBody>
+      </p:sp>
+      <p:pic>
+        <p:nvPicPr>
+          <p:cNvPr id="4" name="Picture 3">
+            <a:extLst>
+              <a:ext uri="{FF2B5EF4-FFF2-40B4-BE49-F238E27FC236}">
+                <a16:creationId xmlns:a16="http://schemas.microsoft.com/office/drawing/2014/main" id="{5758A6F1-F657-4F0F-8512-7DD35D556DCB}"/>
+              </a:ext>
+            </a:extLst>
+          </p:cNvPr>
+          <p:cNvPicPr>
+            <a:picLocks noChangeAspect="1"/>
+          </p:cNvPicPr>
+          <p:nvPr/>
+        </p:nvPicPr>
+        <p:blipFill>
+          <a:blip r:embed="rId2"/>
+          <a:stretch>
+            <a:fillRect/>
+          </a:stretch>
+        </p:blipFill>
+        <p:spPr>
+          <a:xfrm>
+            <a:off x="2130512" y="2824357"/>
+            <a:ext cx="7360734" cy="2061005"/>
+          </a:xfrm>
+          <a:prstGeom prst="rect">
+            <a:avLst/>
+          </a:prstGeom>
+        </p:spPr>
+      </p:pic>
+    </p:spTree>
+    <p:extLst>
+      <p:ext uri="{BB962C8B-B14F-4D97-AF65-F5344CB8AC3E}">
+        <p14:creationId xmlns:p14="http://schemas.microsoft.com/office/powerpoint/2010/main" val="446239290"/>
+      </p:ext>
+    </p:extLst>
+  </p:cSld>
+  <p:clrMapOvr>
+    <a:masterClrMapping/>
+  </p:clrMapOvr>
+</p:sld>
+</file>
+
+<file path=ppt/slides/slide11.xml><?xml version="1.0" encoding="utf-8"?>
+<p:sld xmlns:a="http://schemas.openxmlformats.org/drawingml/2006/main" xmlns:r="http://schemas.openxmlformats.org/officeDocument/2006/relationships" xmlns:p="http://schemas.openxmlformats.org/presentationml/2006/main">
+  <p:cSld>
+    <p:spTree>
+      <p:nvGrpSpPr>
+        <p:cNvPr id="1" name=""/>
+        <p:cNvGrpSpPr/>
+        <p:nvPr/>
+      </p:nvGrpSpPr>
+      <p:grpSpPr>
+        <a:xfrm>
+          <a:off x="0" y="0"/>
+          <a:ext cx="0" cy="0"/>
+          <a:chOff x="0" y="0"/>
+          <a:chExt cx="0" cy="0"/>
+        </a:xfrm>
+      </p:grpSpPr>
+      <p:sp>
+        <p:nvSpPr>
+          <p:cNvPr id="2" name="Title 1">
+            <a:extLst>
+              <a:ext uri="{FF2B5EF4-FFF2-40B4-BE49-F238E27FC236}">
                 <a16:creationId xmlns:a16="http://schemas.microsoft.com/office/drawing/2014/main" id="{C6D6F988-6B7E-4F0F-82AB-B3E8595D2A5D}"/>
               </a:ext>
             </a:extLst>
@@ -3556,7 +4107,7 @@
 </p:sld>
 </file>
 
-<file path=ppt/slides/slide11.xml><?xml version="1.0" encoding="utf-8"?>
+<file path=ppt/slides/slide12.xml><?xml version="1.0" encoding="utf-8"?>
 <p:sld xmlns:a="http://schemas.openxmlformats.org/drawingml/2006/main" xmlns:r="http://schemas.openxmlformats.org/officeDocument/2006/relationships" xmlns:p="http://schemas.openxmlformats.org/presentationml/2006/main">
   <p:cSld>
     <p:spTree>
@@ -3602,8 +4153,8 @@
           </a:p>
         </p:txBody>
       </p:sp>
-      <mc:AlternateContent xmlns:mc="http://schemas.openxmlformats.org/markup-compatibility/2006">
-        <mc:Choice xmlns:a14="http://schemas.microsoft.com/office/drawing/2010/main" Requires="a14">
+      <mc:AlternateContent xmlns:mc="http://schemas.openxmlformats.org/markup-compatibility/2006" xmlns:a14="http://schemas.microsoft.com/office/drawing/2010/main">
+        <mc:Choice Requires="a14">
           <p:sp>
             <p:nvSpPr>
               <p:cNvPr id="3" name="Content Placeholder 2">
@@ -4026,7 +4577,7 @@
             </p:txBody>
           </p:sp>
         </mc:Choice>
-        <mc:Fallback>
+        <mc:Fallback xmlns="">
           <p:sp>
             <p:nvSpPr>
               <p:cNvPr id="3" name="Content Placeholder 2">
@@ -4109,7 +4660,7 @@
 </p:sld>
 </file>
 
-<file path=ppt/slides/slide12.xml><?xml version="1.0" encoding="utf-8"?>
+<file path=ppt/slides/slide13.xml><?xml version="1.0" encoding="utf-8"?>
 <p:sld xmlns:a="http://schemas.openxmlformats.org/drawingml/2006/main" xmlns:r="http://schemas.openxmlformats.org/officeDocument/2006/relationships" xmlns:p="http://schemas.openxmlformats.org/presentationml/2006/main">
   <p:cSld>
     <p:spTree>
@@ -4151,8 +4702,8 @@
           </a:p>
         </p:txBody>
       </p:sp>
-      <mc:AlternateContent xmlns:mc="http://schemas.openxmlformats.org/markup-compatibility/2006">
-        <mc:Choice xmlns:a14="http://schemas.microsoft.com/office/drawing/2010/main" Requires="a14">
+      <mc:AlternateContent xmlns:mc="http://schemas.openxmlformats.org/markup-compatibility/2006" xmlns:a14="http://schemas.microsoft.com/office/drawing/2010/main">
+        <mc:Choice Requires="a14">
           <p:sp>
             <p:nvSpPr>
               <p:cNvPr id="3" name="Content Placeholder 2">
@@ -4491,7 +5042,7 @@
             </p:txBody>
           </p:sp>
         </mc:Choice>
-        <mc:Fallback>
+        <mc:Fallback xmlns="">
           <p:sp>
             <p:nvSpPr>
               <p:cNvPr id="3" name="Content Placeholder 2">
@@ -4634,7 +5185,7 @@
 </p:sld>
 </file>
 
-<file path=ppt/slides/slide13.xml><?xml version="1.0" encoding="utf-8"?>
+<file path=ppt/slides/slide14.xml><?xml version="1.0" encoding="utf-8"?>
 <p:sld xmlns:a="http://schemas.openxmlformats.org/drawingml/2006/main" xmlns:r="http://schemas.openxmlformats.org/officeDocument/2006/relationships" xmlns:p="http://schemas.openxmlformats.org/presentationml/2006/main">
   <p:cSld>
     <p:spTree>
@@ -4680,8 +5231,8 @@
           </a:p>
         </p:txBody>
       </p:sp>
-      <mc:AlternateContent xmlns:mc="http://schemas.openxmlformats.org/markup-compatibility/2006">
-        <mc:Choice xmlns:a14="http://schemas.microsoft.com/office/drawing/2010/main" Requires="a14">
+      <mc:AlternateContent xmlns:mc="http://schemas.openxmlformats.org/markup-compatibility/2006" xmlns:a14="http://schemas.microsoft.com/office/drawing/2010/main">
+        <mc:Choice Requires="a14">
           <p:sp>
             <p:nvSpPr>
               <p:cNvPr id="3" name="Content Placeholder 2">
@@ -4788,7 +5339,7 @@
             </p:txBody>
           </p:sp>
         </mc:Choice>
-        <mc:Fallback>
+        <mc:Fallback xmlns="">
           <p:sp>
             <p:nvSpPr>
               <p:cNvPr id="3" name="Content Placeholder 2">
@@ -4871,7 +5422,7 @@
 </p:sld>
 </file>
 
-<file path=ppt/slides/slide14.xml><?xml version="1.0" encoding="utf-8"?>
+<file path=ppt/slides/slide15.xml><?xml version="1.0" encoding="utf-8"?>
 <p:sld xmlns:a="http://schemas.openxmlformats.org/drawingml/2006/main" xmlns:r="http://schemas.openxmlformats.org/officeDocument/2006/relationships" xmlns:p="http://schemas.openxmlformats.org/presentationml/2006/main">
   <p:cSld>
     <p:spTree>
@@ -4962,7 +5513,7 @@
 </p:sld>
 </file>
 
-<file path=ppt/slides/slide15.xml><?xml version="1.0" encoding="utf-8"?>
+<file path=ppt/slides/slide16.xml><?xml version="1.0" encoding="utf-8"?>
 <p:sld xmlns:a="http://schemas.openxmlformats.org/drawingml/2006/main" xmlns:r="http://schemas.openxmlformats.org/officeDocument/2006/relationships" xmlns:p="http://schemas.openxmlformats.org/presentationml/2006/main">
   <p:cSld>
     <p:spTree>
@@ -5076,7 +5627,7 @@
 </p:sld>
 </file>
 
-<file path=ppt/slides/slide16.xml><?xml version="1.0" encoding="utf-8"?>
+<file path=ppt/slides/slide17.xml><?xml version="1.0" encoding="utf-8"?>
 <p:sld xmlns:a="http://schemas.openxmlformats.org/drawingml/2006/main" xmlns:r="http://schemas.openxmlformats.org/officeDocument/2006/relationships" xmlns:p="http://schemas.openxmlformats.org/presentationml/2006/main">
   <p:cSld>
     <p:spTree>
@@ -5160,7 +5711,7 @@
 </p:sld>
 </file>
 
-<file path=ppt/slides/slide17.xml><?xml version="1.0" encoding="utf-8"?>
+<file path=ppt/slides/slide18.xml><?xml version="1.0" encoding="utf-8"?>
 <p:sld xmlns:a="http://schemas.openxmlformats.org/drawingml/2006/main" xmlns:r="http://schemas.openxmlformats.org/officeDocument/2006/relationships" xmlns:p="http://schemas.openxmlformats.org/presentationml/2006/main">
   <p:cSld>
     <p:spTree>
@@ -5254,11 +5805,20 @@
               </a:rPr>
               <a:t>integers</a:t>
             </a:r>
-            <a:endParaRPr lang="zh-TW" altLang="en-US" dirty="0">
+          </a:p>
+          <a:p>
+            <a:endParaRPr lang="en-GB" altLang="zh-TW" dirty="0">
               <a:solidFill>
                 <a:srgbClr val="FF0000"/>
               </a:solidFill>
             </a:endParaRPr>
+          </a:p>
+          <a:p>
+            <a:r>
+              <a:rPr lang="en-GB" altLang="zh-TW" dirty="0"/>
+              <a:t>How about rational number, irrational number capacities?</a:t>
+            </a:r>
+            <a:endParaRPr lang="zh-TW" altLang="en-US" dirty="0"/>
           </a:p>
         </p:txBody>
       </p:sp>
@@ -5275,7 +5835,7 @@
 </p:sld>
 </file>
 
-<file path=ppt/slides/slide18.xml><?xml version="1.0" encoding="utf-8"?>
+<file path=ppt/slides/slide19.xml><?xml version="1.0" encoding="utf-8"?>
 <p:sld xmlns:a="http://schemas.openxmlformats.org/drawingml/2006/main" xmlns:r="http://schemas.openxmlformats.org/officeDocument/2006/relationships" xmlns:p="http://schemas.openxmlformats.org/presentationml/2006/main">
   <p:cSld>
     <p:spTree>
@@ -5321,8 +5881,8 @@
           </a:p>
         </p:txBody>
       </p:sp>
-      <mc:AlternateContent xmlns:mc="http://schemas.openxmlformats.org/markup-compatibility/2006">
-        <mc:Choice xmlns:a14="http://schemas.microsoft.com/office/drawing/2010/main" Requires="a14">
+      <mc:AlternateContent xmlns:mc="http://schemas.openxmlformats.org/markup-compatibility/2006" xmlns:a14="http://schemas.microsoft.com/office/drawing/2010/main">
+        <mc:Choice Requires="a14">
           <p:sp>
             <p:nvSpPr>
               <p:cNvPr id="3" name="Content Placeholder 2">
@@ -5415,7 +5975,7 @@
             </p:txBody>
           </p:sp>
         </mc:Choice>
-        <mc:Fallback>
+        <mc:Fallback xmlns="">
           <p:sp>
             <p:nvSpPr>
               <p:cNvPr id="3" name="Content Placeholder 2">
@@ -5468,7 +6028,201 @@
 </p:sld>
 </file>
 
-<file path=ppt/slides/slide19.xml><?xml version="1.0" encoding="utf-8"?>
+<file path=ppt/slides/slide2.xml><?xml version="1.0" encoding="utf-8"?>
+<p:sld xmlns:a="http://schemas.openxmlformats.org/drawingml/2006/main" xmlns:r="http://schemas.openxmlformats.org/officeDocument/2006/relationships" xmlns:p="http://schemas.openxmlformats.org/presentationml/2006/main">
+  <p:cSld>
+    <p:spTree>
+      <p:nvGrpSpPr>
+        <p:cNvPr id="1" name=""/>
+        <p:cNvGrpSpPr/>
+        <p:nvPr/>
+      </p:nvGrpSpPr>
+      <p:grpSpPr>
+        <a:xfrm>
+          <a:off x="0" y="0"/>
+          <a:ext cx="0" cy="0"/>
+          <a:chOff x="0" y="0"/>
+          <a:chExt cx="0" cy="0"/>
+        </a:xfrm>
+      </p:grpSpPr>
+      <p:sp>
+        <p:nvSpPr>
+          <p:cNvPr id="2" name="Title 1">
+            <a:extLst>
+              <a:ext uri="{FF2B5EF4-FFF2-40B4-BE49-F238E27FC236}">
+                <a16:creationId xmlns:a16="http://schemas.microsoft.com/office/drawing/2014/main" id="{EAB6CED2-3510-4B27-84EA-61965B39DE0E}"/>
+              </a:ext>
+            </a:extLst>
+          </p:cNvPr>
+          <p:cNvSpPr>
+            <a:spLocks noGrp="1"/>
+          </p:cNvSpPr>
+          <p:nvPr>
+            <p:ph type="title"/>
+          </p:nvPr>
+        </p:nvSpPr>
+        <p:spPr/>
+        <p:txBody>
+          <a:bodyPr/>
+          <a:lstStyle/>
+          <a:p>
+            <a:r>
+              <a:rPr lang="en-US" altLang="zh-TW" dirty="0"/>
+              <a:t>F</a:t>
+            </a:r>
+            <a:r>
+              <a:rPr lang="en-GB" altLang="zh-TW" dirty="0"/>
+              <a:t>low network</a:t>
+            </a:r>
+            <a:endParaRPr lang="zh-TW" altLang="en-US" dirty="0"/>
+          </a:p>
+        </p:txBody>
+      </p:sp>
+      <p:sp>
+        <p:nvSpPr>
+          <p:cNvPr id="3" name="Content Placeholder 2">
+            <a:extLst>
+              <a:ext uri="{FF2B5EF4-FFF2-40B4-BE49-F238E27FC236}">
+                <a16:creationId xmlns:a16="http://schemas.microsoft.com/office/drawing/2014/main" id="{4A44AE77-A147-473D-8998-AAEA3739EBEE}"/>
+              </a:ext>
+            </a:extLst>
+          </p:cNvPr>
+          <p:cNvSpPr>
+            <a:spLocks noGrp="1"/>
+          </p:cNvSpPr>
+          <p:nvPr>
+            <p:ph idx="1"/>
+          </p:nvPr>
+        </p:nvSpPr>
+        <p:spPr/>
+        <p:txBody>
+          <a:bodyPr/>
+          <a:lstStyle/>
+          <a:p>
+            <a:r>
+              <a:rPr lang="en-GB" altLang="zh-TW" dirty="0"/>
+              <a:t>A Graph G=(V,E) with </a:t>
+            </a:r>
+            <a:r>
+              <a:rPr lang="en-GB" altLang="zh-TW" dirty="0">
+                <a:solidFill>
+                  <a:srgbClr val="FF0000"/>
+                </a:solidFill>
+              </a:rPr>
+              <a:t>source s </a:t>
+            </a:r>
+            <a:r>
+              <a:rPr lang="en-GB" altLang="zh-TW" dirty="0"/>
+              <a:t>and </a:t>
+            </a:r>
+            <a:r>
+              <a:rPr lang="en-GB" altLang="zh-TW" dirty="0">
+                <a:solidFill>
+                  <a:srgbClr val="FF0000"/>
+                </a:solidFill>
+              </a:rPr>
+              <a:t>sink t</a:t>
+            </a:r>
+          </a:p>
+          <a:p>
+            <a:pPr lvl="1"/>
+            <a:r>
+              <a:rPr lang="en-US" altLang="zh-TW" dirty="0"/>
+              <a:t>no parallel edges </a:t>
+            </a:r>
+          </a:p>
+          <a:p>
+            <a:pPr lvl="1"/>
+            <a:r>
+              <a:rPr lang="en-US" altLang="zh-TW" dirty="0"/>
+              <a:t>no edge enters s</a:t>
+            </a:r>
+          </a:p>
+          <a:p>
+            <a:pPr lvl="1"/>
+            <a:r>
+              <a:rPr lang="en-US" altLang="zh-TW" dirty="0"/>
+              <a:t>no edge leaves t</a:t>
+            </a:r>
+          </a:p>
+          <a:p>
+            <a:r>
+              <a:rPr lang="en-GB" altLang="zh-TW" dirty="0"/>
+              <a:t>Each edge e has </a:t>
+            </a:r>
+            <a:r>
+              <a:rPr lang="en-GB" altLang="zh-TW" dirty="0">
+                <a:solidFill>
+                  <a:srgbClr val="FF0000"/>
+                </a:solidFill>
+              </a:rPr>
+              <a:t>a non-negative</a:t>
+            </a:r>
+          </a:p>
+          <a:p>
+            <a:pPr marL="0" indent="0">
+              <a:buNone/>
+            </a:pPr>
+            <a:r>
+              <a:rPr lang="en-GB" altLang="zh-TW" dirty="0">
+                <a:solidFill>
+                  <a:srgbClr val="FF0000"/>
+                </a:solidFill>
+              </a:rPr>
+              <a:t>capacity c(e)</a:t>
+            </a:r>
+            <a:endParaRPr lang="en-US" altLang="zh-TW" dirty="0">
+              <a:solidFill>
+                <a:srgbClr val="FF0000"/>
+              </a:solidFill>
+            </a:endParaRPr>
+          </a:p>
+        </p:txBody>
+      </p:sp>
+      <p:pic>
+        <p:nvPicPr>
+          <p:cNvPr id="4" name="Picture 3">
+            <a:extLst>
+              <a:ext uri="{FF2B5EF4-FFF2-40B4-BE49-F238E27FC236}">
+                <a16:creationId xmlns:a16="http://schemas.microsoft.com/office/drawing/2014/main" id="{4BA759A2-4D64-4448-8F31-69C08793A8E7}"/>
+              </a:ext>
+            </a:extLst>
+          </p:cNvPr>
+          <p:cNvPicPr>
+            <a:picLocks noChangeAspect="1"/>
+          </p:cNvPicPr>
+          <p:nvPr/>
+        </p:nvPicPr>
+        <p:blipFill>
+          <a:blip r:embed="rId2"/>
+          <a:stretch>
+            <a:fillRect/>
+          </a:stretch>
+        </p:blipFill>
+        <p:spPr>
+          <a:xfrm>
+            <a:off x="5780316" y="2643757"/>
+            <a:ext cx="5880851" cy="3533206"/>
+          </a:xfrm>
+          <a:prstGeom prst="rect">
+            <a:avLst/>
+          </a:prstGeom>
+        </p:spPr>
+      </p:pic>
+    </p:spTree>
+    <p:extLst>
+      <p:ext uri="{BB962C8B-B14F-4D97-AF65-F5344CB8AC3E}">
+        <p14:creationId xmlns:p14="http://schemas.microsoft.com/office/powerpoint/2010/main" val="248816277"/>
+      </p:ext>
+    </p:extLst>
+  </p:cSld>
+  <p:clrMapOvr>
+    <a:masterClrMapping/>
+  </p:clrMapOvr>
+</p:sld>
+</file>
+
+<file path=ppt/slides/slide20.xml><?xml version="1.0" encoding="utf-8"?>
 <p:sld xmlns:a="http://schemas.openxmlformats.org/drawingml/2006/main" xmlns:r="http://schemas.openxmlformats.org/officeDocument/2006/relationships" xmlns:p="http://schemas.openxmlformats.org/presentationml/2006/main">
   <p:cSld>
     <p:spTree>
@@ -5514,8 +6268,8 @@
           </a:p>
         </p:txBody>
       </p:sp>
-      <mc:AlternateContent xmlns:mc="http://schemas.openxmlformats.org/markup-compatibility/2006">
-        <mc:Choice xmlns:a14="http://schemas.microsoft.com/office/drawing/2010/main" Requires="a14">
+      <mc:AlternateContent xmlns:mc="http://schemas.openxmlformats.org/markup-compatibility/2006" xmlns:a14="http://schemas.microsoft.com/office/drawing/2010/main">
+        <mc:Choice Requires="a14">
           <p:sp>
             <p:nvSpPr>
               <p:cNvPr id="3" name="Content Placeholder 2">
@@ -6376,7 +7130,7 @@
             </p:txBody>
           </p:sp>
         </mc:Choice>
-        <mc:Fallback>
+        <mc:Fallback xmlns="">
           <p:sp>
             <p:nvSpPr>
               <p:cNvPr id="3" name="Content Placeholder 2">
@@ -6459,201 +7213,7 @@
 </p:sld>
 </file>
 
-<file path=ppt/slides/slide2.xml><?xml version="1.0" encoding="utf-8"?>
-<p:sld xmlns:a="http://schemas.openxmlformats.org/drawingml/2006/main" xmlns:r="http://schemas.openxmlformats.org/officeDocument/2006/relationships" xmlns:p="http://schemas.openxmlformats.org/presentationml/2006/main">
-  <p:cSld>
-    <p:spTree>
-      <p:nvGrpSpPr>
-        <p:cNvPr id="1" name=""/>
-        <p:cNvGrpSpPr/>
-        <p:nvPr/>
-      </p:nvGrpSpPr>
-      <p:grpSpPr>
-        <a:xfrm>
-          <a:off x="0" y="0"/>
-          <a:ext cx="0" cy="0"/>
-          <a:chOff x="0" y="0"/>
-          <a:chExt cx="0" cy="0"/>
-        </a:xfrm>
-      </p:grpSpPr>
-      <p:sp>
-        <p:nvSpPr>
-          <p:cNvPr id="2" name="Title 1">
-            <a:extLst>
-              <a:ext uri="{FF2B5EF4-FFF2-40B4-BE49-F238E27FC236}">
-                <a16:creationId xmlns:a16="http://schemas.microsoft.com/office/drawing/2014/main" id="{EAB6CED2-3510-4B27-84EA-61965B39DE0E}"/>
-              </a:ext>
-            </a:extLst>
-          </p:cNvPr>
-          <p:cNvSpPr>
-            <a:spLocks noGrp="1"/>
-          </p:cNvSpPr>
-          <p:nvPr>
-            <p:ph type="title"/>
-          </p:nvPr>
-        </p:nvSpPr>
-        <p:spPr/>
-        <p:txBody>
-          <a:bodyPr/>
-          <a:lstStyle/>
-          <a:p>
-            <a:r>
-              <a:rPr lang="en-US" altLang="zh-TW" dirty="0"/>
-              <a:t>F</a:t>
-            </a:r>
-            <a:r>
-              <a:rPr lang="en-GB" altLang="zh-TW" dirty="0"/>
-              <a:t>low network</a:t>
-            </a:r>
-            <a:endParaRPr lang="zh-TW" altLang="en-US" dirty="0"/>
-          </a:p>
-        </p:txBody>
-      </p:sp>
-      <p:sp>
-        <p:nvSpPr>
-          <p:cNvPr id="3" name="Content Placeholder 2">
-            <a:extLst>
-              <a:ext uri="{FF2B5EF4-FFF2-40B4-BE49-F238E27FC236}">
-                <a16:creationId xmlns:a16="http://schemas.microsoft.com/office/drawing/2014/main" id="{4A44AE77-A147-473D-8998-AAEA3739EBEE}"/>
-              </a:ext>
-            </a:extLst>
-          </p:cNvPr>
-          <p:cNvSpPr>
-            <a:spLocks noGrp="1"/>
-          </p:cNvSpPr>
-          <p:nvPr>
-            <p:ph idx="1"/>
-          </p:nvPr>
-        </p:nvSpPr>
-        <p:spPr/>
-        <p:txBody>
-          <a:bodyPr/>
-          <a:lstStyle/>
-          <a:p>
-            <a:r>
-              <a:rPr lang="en-GB" altLang="zh-TW" dirty="0"/>
-              <a:t>A Graph G=(V,E) with </a:t>
-            </a:r>
-            <a:r>
-              <a:rPr lang="en-GB" altLang="zh-TW" dirty="0">
-                <a:solidFill>
-                  <a:srgbClr val="FF0000"/>
-                </a:solidFill>
-              </a:rPr>
-              <a:t>source s </a:t>
-            </a:r>
-            <a:r>
-              <a:rPr lang="en-GB" altLang="zh-TW" dirty="0"/>
-              <a:t>and </a:t>
-            </a:r>
-            <a:r>
-              <a:rPr lang="en-GB" altLang="zh-TW" dirty="0">
-                <a:solidFill>
-                  <a:srgbClr val="FF0000"/>
-                </a:solidFill>
-              </a:rPr>
-              <a:t>sink t</a:t>
-            </a:r>
-          </a:p>
-          <a:p>
-            <a:pPr lvl="1"/>
-            <a:r>
-              <a:rPr lang="en-US" altLang="zh-TW" dirty="0"/>
-              <a:t>no parallel edges </a:t>
-            </a:r>
-          </a:p>
-          <a:p>
-            <a:pPr lvl="1"/>
-            <a:r>
-              <a:rPr lang="en-US" altLang="zh-TW" dirty="0"/>
-              <a:t>no edge enters s</a:t>
-            </a:r>
-          </a:p>
-          <a:p>
-            <a:pPr lvl="1"/>
-            <a:r>
-              <a:rPr lang="en-US" altLang="zh-TW" dirty="0"/>
-              <a:t>no edge leaves t</a:t>
-            </a:r>
-          </a:p>
-          <a:p>
-            <a:r>
-              <a:rPr lang="en-GB" altLang="zh-TW" dirty="0"/>
-              <a:t>Each edge e has </a:t>
-            </a:r>
-            <a:r>
-              <a:rPr lang="en-GB" altLang="zh-TW" dirty="0">
-                <a:solidFill>
-                  <a:srgbClr val="FF0000"/>
-                </a:solidFill>
-              </a:rPr>
-              <a:t>a non-negative</a:t>
-            </a:r>
-          </a:p>
-          <a:p>
-            <a:pPr marL="0" indent="0">
-              <a:buNone/>
-            </a:pPr>
-            <a:r>
-              <a:rPr lang="en-GB" altLang="zh-TW" dirty="0">
-                <a:solidFill>
-                  <a:srgbClr val="FF0000"/>
-                </a:solidFill>
-              </a:rPr>
-              <a:t>capacity c(e)</a:t>
-            </a:r>
-            <a:endParaRPr lang="en-US" altLang="zh-TW" dirty="0">
-              <a:solidFill>
-                <a:srgbClr val="FF0000"/>
-              </a:solidFill>
-            </a:endParaRPr>
-          </a:p>
-        </p:txBody>
-      </p:sp>
-      <p:pic>
-        <p:nvPicPr>
-          <p:cNvPr id="4" name="Picture 3">
-            <a:extLst>
-              <a:ext uri="{FF2B5EF4-FFF2-40B4-BE49-F238E27FC236}">
-                <a16:creationId xmlns:a16="http://schemas.microsoft.com/office/drawing/2014/main" id="{4BA759A2-4D64-4448-8F31-69C08793A8E7}"/>
-              </a:ext>
-            </a:extLst>
-          </p:cNvPr>
-          <p:cNvPicPr>
-            <a:picLocks noChangeAspect="1"/>
-          </p:cNvPicPr>
-          <p:nvPr/>
-        </p:nvPicPr>
-        <p:blipFill>
-          <a:blip r:embed="rId2"/>
-          <a:stretch>
-            <a:fillRect/>
-          </a:stretch>
-        </p:blipFill>
-        <p:spPr>
-          <a:xfrm>
-            <a:off x="5780316" y="2643757"/>
-            <a:ext cx="5880851" cy="3533206"/>
-          </a:xfrm>
-          <a:prstGeom prst="rect">
-            <a:avLst/>
-          </a:prstGeom>
-        </p:spPr>
-      </p:pic>
-    </p:spTree>
-    <p:extLst>
-      <p:ext uri="{BB962C8B-B14F-4D97-AF65-F5344CB8AC3E}">
-        <p14:creationId xmlns:p14="http://schemas.microsoft.com/office/powerpoint/2010/main" val="248816277"/>
-      </p:ext>
-    </p:extLst>
-  </p:cSld>
-  <p:clrMapOvr>
-    <a:masterClrMapping/>
-  </p:clrMapOvr>
-</p:sld>
-</file>
-
-<file path=ppt/slides/slide20.xml><?xml version="1.0" encoding="utf-8"?>
+<file path=ppt/slides/slide21.xml><?xml version="1.0" encoding="utf-8"?>
 <p:sld xmlns:a="http://schemas.openxmlformats.org/drawingml/2006/main" xmlns:r="http://schemas.openxmlformats.org/officeDocument/2006/relationships" xmlns:p="http://schemas.openxmlformats.org/presentationml/2006/main">
   <p:cSld>
     <p:spTree>
@@ -6699,8 +7259,8 @@
           </a:p>
         </p:txBody>
       </p:sp>
-      <mc:AlternateContent xmlns:mc="http://schemas.openxmlformats.org/markup-compatibility/2006">
-        <mc:Choice xmlns:a14="http://schemas.microsoft.com/office/drawing/2010/main" Requires="a14">
+      <mc:AlternateContent xmlns:mc="http://schemas.openxmlformats.org/markup-compatibility/2006" xmlns:a14="http://schemas.microsoft.com/office/drawing/2010/main">
+        <mc:Choice Requires="a14">
           <p:sp>
             <p:nvSpPr>
               <p:cNvPr id="3" name="Content Placeholder 2">
@@ -7311,7 +7871,7 @@
             </p:txBody>
           </p:sp>
         </mc:Choice>
-        <mc:Fallback>
+        <mc:Fallback xmlns="">
           <p:sp>
             <p:nvSpPr>
               <p:cNvPr id="3" name="Content Placeholder 2">
@@ -7364,7 +7924,7 @@
 </p:sld>
 </file>
 
-<file path=ppt/slides/slide21.xml><?xml version="1.0" encoding="utf-8"?>
+<file path=ppt/slides/slide22.xml><?xml version="1.0" encoding="utf-8"?>
 <p:sld xmlns:a="http://schemas.openxmlformats.org/drawingml/2006/main" xmlns:r="http://schemas.openxmlformats.org/officeDocument/2006/relationships" xmlns:p="http://schemas.openxmlformats.org/presentationml/2006/main">
   <p:cSld>
     <p:spTree>
@@ -7410,8 +7970,8 @@
           </a:p>
         </p:txBody>
       </p:sp>
-      <mc:AlternateContent xmlns:mc="http://schemas.openxmlformats.org/markup-compatibility/2006">
-        <mc:Choice xmlns:a14="http://schemas.microsoft.com/office/drawing/2010/main" Requires="a14">
+      <mc:AlternateContent xmlns:mc="http://schemas.openxmlformats.org/markup-compatibility/2006" xmlns:a14="http://schemas.microsoft.com/office/drawing/2010/main">
+        <mc:Choice Requires="a14">
           <p:sp>
             <p:nvSpPr>
               <p:cNvPr id="3" name="Content Placeholder 2">
@@ -7541,13 +8101,7 @@
                       <a:rPr lang="en-US" altLang="zh-TW" i="1" dirty="0" smtClean="0">
                         <a:latin typeface="Cambria Math" panose="02040503050406030204" pitchFamily="18" charset="0"/>
                       </a:rPr>
-                      <m:t>)</m:t>
-                    </m:r>
-                    <m:r>
-                      <a:rPr lang="en-US" altLang="zh-TW" i="1" dirty="0" smtClean="0">
-                        <a:latin typeface="Cambria Math" panose="02040503050406030204" pitchFamily="18" charset="0"/>
-                      </a:rPr>
-                      <m:t>= </m:t>
+                      <m:t>)= </m:t>
                     </m:r>
                     <m:r>
                       <a:rPr lang="en-US" altLang="zh-TW" i="1" dirty="0" smtClean="0">
@@ -7622,7 +8176,7 @@
             </p:txBody>
           </p:sp>
         </mc:Choice>
-        <mc:Fallback>
+        <mc:Fallback xmlns="">
           <p:sp>
             <p:nvSpPr>
               <p:cNvPr id="3" name="Content Placeholder 2">
@@ -7675,7 +8229,7 @@
 </p:sld>
 </file>
 
-<file path=ppt/slides/slide22.xml><?xml version="1.0" encoding="utf-8"?>
+<file path=ppt/slides/slide23.xml><?xml version="1.0" encoding="utf-8"?>
 <p:sld xmlns:a="http://schemas.openxmlformats.org/drawingml/2006/main" xmlns:r="http://schemas.openxmlformats.org/officeDocument/2006/relationships" xmlns:p="http://schemas.openxmlformats.org/presentationml/2006/main">
   <p:cSld>
     <p:spTree>
@@ -7692,8 +8246,8 @@
           <a:chExt cx="0" cy="0"/>
         </a:xfrm>
       </p:grpSpPr>
-      <mc:AlternateContent xmlns:mc="http://schemas.openxmlformats.org/markup-compatibility/2006">
-        <mc:Choice xmlns:a14="http://schemas.microsoft.com/office/drawing/2010/main" Requires="a14">
+      <mc:AlternateContent xmlns:mc="http://schemas.openxmlformats.org/markup-compatibility/2006" xmlns:a14="http://schemas.microsoft.com/office/drawing/2010/main">
+        <mc:Choice Requires="a14">
           <p:sp>
             <p:nvSpPr>
               <p:cNvPr id="2" name="Title 1">
@@ -7739,7 +8293,7 @@
             </p:txBody>
           </p:sp>
         </mc:Choice>
-        <mc:Fallback>
+        <mc:Fallback xmlns="">
           <p:sp>
             <p:nvSpPr>
               <p:cNvPr id="2" name="Title 1">
@@ -7779,8 +8333,8 @@
           </p:sp>
         </mc:Fallback>
       </mc:AlternateContent>
-      <mc:AlternateContent xmlns:mc="http://schemas.openxmlformats.org/markup-compatibility/2006">
-        <mc:Choice xmlns:a14="http://schemas.microsoft.com/office/drawing/2010/main" Requires="a14">
+      <mc:AlternateContent xmlns:mc="http://schemas.openxmlformats.org/markup-compatibility/2006" xmlns:a14="http://schemas.microsoft.com/office/drawing/2010/main">
+        <mc:Choice Requires="a14">
           <p:sp>
             <p:nvSpPr>
               <p:cNvPr id="3" name="Content Placeholder 2">
@@ -8149,7 +8703,7 @@
             </p:txBody>
           </p:sp>
         </mc:Choice>
-        <mc:Fallback>
+        <mc:Fallback xmlns="">
           <p:sp>
             <p:nvSpPr>
               <p:cNvPr id="3" name="Content Placeholder 2">
@@ -8202,7 +8756,7 @@
 </p:sld>
 </file>
 
-<file path=ppt/slides/slide23.xml><?xml version="1.0" encoding="utf-8"?>
+<file path=ppt/slides/slide24.xml><?xml version="1.0" encoding="utf-8"?>
 <p:sld xmlns:a="http://schemas.openxmlformats.org/drawingml/2006/main" xmlns:r="http://schemas.openxmlformats.org/officeDocument/2006/relationships" xmlns:p="http://schemas.openxmlformats.org/presentationml/2006/main">
   <p:cSld>
     <p:spTree>
@@ -8219,8 +8773,8 @@
           <a:chExt cx="0" cy="0"/>
         </a:xfrm>
       </p:grpSpPr>
-      <mc:AlternateContent xmlns:mc="http://schemas.openxmlformats.org/markup-compatibility/2006">
-        <mc:Choice xmlns:a14="http://schemas.microsoft.com/office/drawing/2010/main" Requires="a14">
+      <mc:AlternateContent xmlns:mc="http://schemas.openxmlformats.org/markup-compatibility/2006" xmlns:a14="http://schemas.microsoft.com/office/drawing/2010/main">
+        <mc:Choice Requires="a14">
           <p:sp>
             <p:nvSpPr>
               <p:cNvPr id="2" name="Title 1">
@@ -8266,7 +8820,7 @@
             </p:txBody>
           </p:sp>
         </mc:Choice>
-        <mc:Fallback>
+        <mc:Fallback xmlns="">
           <p:sp>
             <p:nvSpPr>
               <p:cNvPr id="2" name="Title 1">
@@ -8306,8 +8860,8 @@
           </p:sp>
         </mc:Fallback>
       </mc:AlternateContent>
-      <mc:AlternateContent xmlns:mc="http://schemas.openxmlformats.org/markup-compatibility/2006">
-        <mc:Choice xmlns:a14="http://schemas.microsoft.com/office/drawing/2010/main" Requires="a14">
+      <mc:AlternateContent xmlns:mc="http://schemas.openxmlformats.org/markup-compatibility/2006" xmlns:a14="http://schemas.microsoft.com/office/drawing/2010/main">
+        <mc:Choice Requires="a14">
           <p:sp>
             <p:nvSpPr>
               <p:cNvPr id="3" name="Content Placeholder 2">
@@ -8428,7 +8982,7 @@
             </p:txBody>
           </p:sp>
         </mc:Choice>
-        <mc:Fallback>
+        <mc:Fallback xmlns="">
           <p:sp>
             <p:nvSpPr>
               <p:cNvPr id="3" name="Content Placeholder 2">
@@ -8481,7 +9035,7 @@
 </p:sld>
 </file>
 
-<file path=ppt/slides/slide24.xml><?xml version="1.0" encoding="utf-8"?>
+<file path=ppt/slides/slide25.xml><?xml version="1.0" encoding="utf-8"?>
 <p:sld xmlns:a="http://schemas.openxmlformats.org/drawingml/2006/main" xmlns:r="http://schemas.openxmlformats.org/officeDocument/2006/relationships" xmlns:p="http://schemas.openxmlformats.org/presentationml/2006/main">
   <p:cSld>
     <p:spTree>
@@ -8498,8 +9052,8 @@
           <a:chExt cx="0" cy="0"/>
         </a:xfrm>
       </p:grpSpPr>
-      <mc:AlternateContent xmlns:mc="http://schemas.openxmlformats.org/markup-compatibility/2006">
-        <mc:Choice xmlns:a14="http://schemas.microsoft.com/office/drawing/2010/main" Requires="a14">
+      <mc:AlternateContent xmlns:mc="http://schemas.openxmlformats.org/markup-compatibility/2006" xmlns:a14="http://schemas.microsoft.com/office/drawing/2010/main">
+        <mc:Choice Requires="a14">
           <p:sp>
             <p:nvSpPr>
               <p:cNvPr id="2" name="Title 1">
@@ -8545,7 +9099,7 @@
             </p:txBody>
           </p:sp>
         </mc:Choice>
-        <mc:Fallback>
+        <mc:Fallback xmlns="">
           <p:sp>
             <p:nvSpPr>
               <p:cNvPr id="2" name="Title 1">
@@ -8585,8 +9139,8 @@
           </p:sp>
         </mc:Fallback>
       </mc:AlternateContent>
-      <mc:AlternateContent xmlns:mc="http://schemas.openxmlformats.org/markup-compatibility/2006">
-        <mc:Choice xmlns:a14="http://schemas.microsoft.com/office/drawing/2010/main" Requires="a14">
+      <mc:AlternateContent xmlns:mc="http://schemas.openxmlformats.org/markup-compatibility/2006" xmlns:a14="http://schemas.microsoft.com/office/drawing/2010/main">
+        <mc:Choice Requires="a14">
           <p:sp>
             <p:nvSpPr>
               <p:cNvPr id="3" name="Content Placeholder 2">
@@ -9157,7 +9711,7 @@
             </p:txBody>
           </p:sp>
         </mc:Choice>
-        <mc:Fallback>
+        <mc:Fallback xmlns="">
           <p:sp>
             <p:nvSpPr>
               <p:cNvPr id="3" name="Content Placeholder 2">
@@ -9240,7 +9794,7 @@
 </p:sld>
 </file>
 
-<file path=ppt/slides/slide25.xml><?xml version="1.0" encoding="utf-8"?>
+<file path=ppt/slides/slide26.xml><?xml version="1.0" encoding="utf-8"?>
 <p:sld xmlns:a="http://schemas.openxmlformats.org/drawingml/2006/main" xmlns:r="http://schemas.openxmlformats.org/officeDocument/2006/relationships" xmlns:p="http://schemas.openxmlformats.org/presentationml/2006/main">
   <p:cSld>
     <p:spTree>
@@ -9286,8 +9840,8 @@
           </a:p>
         </p:txBody>
       </p:sp>
-      <mc:AlternateContent xmlns:mc="http://schemas.openxmlformats.org/markup-compatibility/2006">
-        <mc:Choice xmlns:a14="http://schemas.microsoft.com/office/drawing/2010/main" Requires="a14">
+      <mc:AlternateContent xmlns:mc="http://schemas.openxmlformats.org/markup-compatibility/2006" xmlns:a14="http://schemas.microsoft.com/office/drawing/2010/main">
+        <mc:Choice Requires="a14">
           <p:sp>
             <p:nvSpPr>
               <p:cNvPr id="3" name="Content Placeholder 2">
@@ -10236,7 +10790,7 @@
             </p:txBody>
           </p:sp>
         </mc:Choice>
-        <mc:Fallback>
+        <mc:Fallback xmlns="">
           <p:sp>
             <p:nvSpPr>
               <p:cNvPr id="3" name="Content Placeholder 2">
@@ -10289,7 +10843,7 @@
 </p:sld>
 </file>
 
-<file path=ppt/slides/slide26.xml><?xml version="1.0" encoding="utf-8"?>
+<file path=ppt/slides/slide27.xml><?xml version="1.0" encoding="utf-8"?>
 <p:sld xmlns:a="http://schemas.openxmlformats.org/drawingml/2006/main" xmlns:r="http://schemas.openxmlformats.org/officeDocument/2006/relationships" xmlns:p="http://schemas.openxmlformats.org/presentationml/2006/main">
   <p:cSld>
     <p:spTree>
@@ -10414,7 +10968,430 @@
 </p:sld>
 </file>
 
+<file path=ppt/slides/slide28.xml><?xml version="1.0" encoding="utf-8"?>
+<p:sld xmlns:a="http://schemas.openxmlformats.org/drawingml/2006/main" xmlns:r="http://schemas.openxmlformats.org/officeDocument/2006/relationships" xmlns:p="http://schemas.openxmlformats.org/presentationml/2006/main">
+  <p:cSld>
+    <p:spTree>
+      <p:nvGrpSpPr>
+        <p:cNvPr id="1" name=""/>
+        <p:cNvGrpSpPr/>
+        <p:nvPr/>
+      </p:nvGrpSpPr>
+      <p:grpSpPr>
+        <a:xfrm>
+          <a:off x="0" y="0"/>
+          <a:ext cx="0" cy="0"/>
+          <a:chOff x="0" y="0"/>
+          <a:chExt cx="0" cy="0"/>
+        </a:xfrm>
+      </p:grpSpPr>
+      <p:sp>
+        <p:nvSpPr>
+          <p:cNvPr id="2" name="Title 1">
+            <a:extLst>
+              <a:ext uri="{FF2B5EF4-FFF2-40B4-BE49-F238E27FC236}">
+                <a16:creationId xmlns:a16="http://schemas.microsoft.com/office/drawing/2014/main" id="{733A26F8-95FD-4825-87F5-16642721A0EF}"/>
+              </a:ext>
+            </a:extLst>
+          </p:cNvPr>
+          <p:cNvSpPr>
+            <a:spLocks noGrp="1"/>
+          </p:cNvSpPr>
+          <p:nvPr>
+            <p:ph type="title"/>
+          </p:nvPr>
+        </p:nvSpPr>
+        <p:spPr/>
+        <p:txBody>
+          <a:bodyPr/>
+          <a:lstStyle/>
+          <a:p>
+            <a:r>
+              <a:rPr lang="en-GB" altLang="zh-TW" dirty="0"/>
+              <a:t>Application : Maximum Bipartite Matching</a:t>
+            </a:r>
+            <a:endParaRPr lang="zh-TW" altLang="en-US" dirty="0"/>
+          </a:p>
+        </p:txBody>
+      </p:sp>
+      <p:sp>
+        <p:nvSpPr>
+          <p:cNvPr id="3" name="Content Placeholder 2">
+            <a:extLst>
+              <a:ext uri="{FF2B5EF4-FFF2-40B4-BE49-F238E27FC236}">
+                <a16:creationId xmlns:a16="http://schemas.microsoft.com/office/drawing/2014/main" id="{B0BC073C-46A2-48F8-8989-6BF8D1F0E393}"/>
+              </a:ext>
+            </a:extLst>
+          </p:cNvPr>
+          <p:cNvSpPr>
+            <a:spLocks noGrp="1"/>
+          </p:cNvSpPr>
+          <p:nvPr>
+            <p:ph idx="1"/>
+          </p:nvPr>
+        </p:nvSpPr>
+        <p:spPr/>
+        <p:txBody>
+          <a:bodyPr/>
+          <a:lstStyle/>
+          <a:p>
+            <a:r>
+              <a:rPr lang="en-GB" altLang="zh-TW" dirty="0"/>
+              <a:t>A matching for a graph is a set of edges</a:t>
+            </a:r>
+          </a:p>
+          <a:p>
+            <a:r>
+              <a:rPr lang="en-GB" altLang="zh-TW" dirty="0"/>
+              <a:t>whose vertices do not overlap.</a:t>
+            </a:r>
+          </a:p>
+          <a:p>
+            <a:endParaRPr lang="en-GB" altLang="zh-TW" dirty="0"/>
+          </a:p>
+          <a:p>
+            <a:pPr marL="0" indent="0">
+              <a:buNone/>
+            </a:pPr>
+            <a:endParaRPr lang="en-GB" altLang="zh-TW" dirty="0"/>
+          </a:p>
+          <a:p>
+            <a:r>
+              <a:rPr lang="en-GB" altLang="zh-TW" dirty="0"/>
+              <a:t>Bipartite matching : when there are</a:t>
+            </a:r>
+          </a:p>
+          <a:p>
+            <a:r>
+              <a:rPr lang="en-GB" altLang="zh-TW" dirty="0"/>
+              <a:t>two disjoint set of nodes</a:t>
+            </a:r>
+            <a:endParaRPr lang="zh-TW" altLang="en-US" dirty="0"/>
+          </a:p>
+        </p:txBody>
+      </p:sp>
+      <p:pic>
+        <p:nvPicPr>
+          <p:cNvPr id="4" name="Picture 3">
+            <a:extLst>
+              <a:ext uri="{FF2B5EF4-FFF2-40B4-BE49-F238E27FC236}">
+                <a16:creationId xmlns:a16="http://schemas.microsoft.com/office/drawing/2014/main" id="{FCD33175-AE85-4FF1-B33A-5572583CF218}"/>
+              </a:ext>
+            </a:extLst>
+          </p:cNvPr>
+          <p:cNvPicPr>
+            <a:picLocks noChangeAspect="1"/>
+          </p:cNvPicPr>
+          <p:nvPr/>
+        </p:nvPicPr>
+        <p:blipFill>
+          <a:blip r:embed="rId3"/>
+          <a:stretch>
+            <a:fillRect/>
+          </a:stretch>
+        </p:blipFill>
+        <p:spPr>
+          <a:xfrm>
+            <a:off x="7574184" y="1317134"/>
+            <a:ext cx="3095529" cy="2111866"/>
+          </a:xfrm>
+          <a:prstGeom prst="rect">
+            <a:avLst/>
+          </a:prstGeom>
+        </p:spPr>
+      </p:pic>
+      <p:pic>
+        <p:nvPicPr>
+          <p:cNvPr id="5" name="Picture 4">
+            <a:extLst>
+              <a:ext uri="{FF2B5EF4-FFF2-40B4-BE49-F238E27FC236}">
+                <a16:creationId xmlns:a16="http://schemas.microsoft.com/office/drawing/2014/main" id="{7CB0A566-6B43-4C51-83B1-FB905F4E73B0}"/>
+              </a:ext>
+            </a:extLst>
+          </p:cNvPr>
+          <p:cNvPicPr>
+            <a:picLocks noChangeAspect="1"/>
+          </p:cNvPicPr>
+          <p:nvPr/>
+        </p:nvPicPr>
+        <p:blipFill>
+          <a:blip r:embed="rId4"/>
+          <a:stretch>
+            <a:fillRect/>
+          </a:stretch>
+        </p:blipFill>
+        <p:spPr>
+          <a:xfrm>
+            <a:off x="7960867" y="2951353"/>
+            <a:ext cx="2322161" cy="3703258"/>
+          </a:xfrm>
+          <a:prstGeom prst="rect">
+            <a:avLst/>
+          </a:prstGeom>
+        </p:spPr>
+      </p:pic>
+    </p:spTree>
+    <p:extLst>
+      <p:ext uri="{BB962C8B-B14F-4D97-AF65-F5344CB8AC3E}">
+        <p14:creationId xmlns:p14="http://schemas.microsoft.com/office/powerpoint/2010/main" val="2519676214"/>
+      </p:ext>
+    </p:extLst>
+  </p:cSld>
+  <p:clrMapOvr>
+    <a:masterClrMapping/>
+  </p:clrMapOvr>
+</p:sld>
+</file>
+
+<file path=ppt/slides/slide29.xml><?xml version="1.0" encoding="utf-8"?>
+<p:sld xmlns:a="http://schemas.openxmlformats.org/drawingml/2006/main" xmlns:r="http://schemas.openxmlformats.org/officeDocument/2006/relationships" xmlns:p="http://schemas.openxmlformats.org/presentationml/2006/main">
+  <p:cSld>
+    <p:spTree>
+      <p:nvGrpSpPr>
+        <p:cNvPr id="1" name=""/>
+        <p:cNvGrpSpPr/>
+        <p:nvPr/>
+      </p:nvGrpSpPr>
+      <p:grpSpPr>
+        <a:xfrm>
+          <a:off x="0" y="0"/>
+          <a:ext cx="0" cy="0"/>
+          <a:chOff x="0" y="0"/>
+          <a:chExt cx="0" cy="0"/>
+        </a:xfrm>
+      </p:grpSpPr>
+      <p:sp>
+        <p:nvSpPr>
+          <p:cNvPr id="2" name="Title 1">
+            <a:extLst>
+              <a:ext uri="{FF2B5EF4-FFF2-40B4-BE49-F238E27FC236}">
+                <a16:creationId xmlns:a16="http://schemas.microsoft.com/office/drawing/2014/main" id="{C750DEB9-3BFD-45AB-BBB6-9E374806E5DF}"/>
+              </a:ext>
+            </a:extLst>
+          </p:cNvPr>
+          <p:cNvSpPr>
+            <a:spLocks noGrp="1"/>
+          </p:cNvSpPr>
+          <p:nvPr>
+            <p:ph type="title"/>
+          </p:nvPr>
+        </p:nvSpPr>
+        <p:spPr/>
+        <p:txBody>
+          <a:bodyPr/>
+          <a:lstStyle/>
+          <a:p>
+            <a:r>
+              <a:rPr lang="en-GB" altLang="zh-TW" dirty="0"/>
+              <a:t>Maximum Bipartite matching</a:t>
+            </a:r>
+            <a:endParaRPr lang="zh-TW" altLang="en-US" dirty="0"/>
+          </a:p>
+        </p:txBody>
+      </p:sp>
+      <p:sp>
+        <p:nvSpPr>
+          <p:cNvPr id="3" name="Content Placeholder 2">
+            <a:extLst>
+              <a:ext uri="{FF2B5EF4-FFF2-40B4-BE49-F238E27FC236}">
+                <a16:creationId xmlns:a16="http://schemas.microsoft.com/office/drawing/2014/main" id="{EBE72C69-CCF2-4386-8B3A-BB286ED390DA}"/>
+              </a:ext>
+            </a:extLst>
+          </p:cNvPr>
+          <p:cNvSpPr>
+            <a:spLocks noGrp="1"/>
+          </p:cNvSpPr>
+          <p:nvPr>
+            <p:ph idx="1"/>
+          </p:nvPr>
+        </p:nvSpPr>
+        <p:spPr/>
+        <p:txBody>
+          <a:bodyPr/>
+          <a:lstStyle/>
+          <a:p>
+            <a:r>
+              <a:rPr lang="en-GB" altLang="zh-TW" dirty="0"/>
+              <a:t>How to find the maximum number of matchings?</a:t>
+            </a:r>
+          </a:p>
+          <a:p>
+            <a:endParaRPr lang="en-GB" altLang="zh-TW" dirty="0"/>
+          </a:p>
+          <a:p>
+            <a:r>
+              <a:rPr lang="en-GB" altLang="zh-TW" dirty="0"/>
+              <a:t>Consider the following graph and</a:t>
+            </a:r>
+          </a:p>
+          <a:p>
+            <a:r>
+              <a:rPr lang="en-GB" altLang="zh-TW" dirty="0"/>
+              <a:t>Find the max flow!</a:t>
+            </a:r>
+          </a:p>
+          <a:p>
+            <a:endParaRPr lang="en-GB" altLang="zh-TW" dirty="0"/>
+          </a:p>
+          <a:p>
+            <a:r>
+              <a:rPr lang="en-GB" altLang="zh-TW" dirty="0"/>
+              <a:t>How to assign </a:t>
+            </a:r>
+            <a:r>
+              <a:rPr lang="en-GB" altLang="zh-TW"/>
+              <a:t>the capacities?</a:t>
+            </a:r>
+            <a:endParaRPr lang="zh-TW" altLang="en-US" dirty="0"/>
+          </a:p>
+        </p:txBody>
+      </p:sp>
+      <p:pic>
+        <p:nvPicPr>
+          <p:cNvPr id="4" name="Picture 3">
+            <a:extLst>
+              <a:ext uri="{FF2B5EF4-FFF2-40B4-BE49-F238E27FC236}">
+                <a16:creationId xmlns:a16="http://schemas.microsoft.com/office/drawing/2014/main" id="{D7E4722A-6ABB-48AA-969D-B12747120BAD}"/>
+              </a:ext>
+            </a:extLst>
+          </p:cNvPr>
+          <p:cNvPicPr>
+            <a:picLocks noChangeAspect="1"/>
+          </p:cNvPicPr>
+          <p:nvPr/>
+        </p:nvPicPr>
+        <p:blipFill>
+          <a:blip r:embed="rId2"/>
+          <a:stretch>
+            <a:fillRect/>
+          </a:stretch>
+        </p:blipFill>
+        <p:spPr>
+          <a:xfrm>
+            <a:off x="6266188" y="2347926"/>
+            <a:ext cx="5148401" cy="4396100"/>
+          </a:xfrm>
+          <a:prstGeom prst="rect">
+            <a:avLst/>
+          </a:prstGeom>
+        </p:spPr>
+      </p:pic>
+    </p:spTree>
+    <p:extLst>
+      <p:ext uri="{BB962C8B-B14F-4D97-AF65-F5344CB8AC3E}">
+        <p14:creationId xmlns:p14="http://schemas.microsoft.com/office/powerpoint/2010/main" val="6962360"/>
+      </p:ext>
+    </p:extLst>
+  </p:cSld>
+  <p:clrMapOvr>
+    <a:masterClrMapping/>
+  </p:clrMapOvr>
+</p:sld>
+</file>
+
 <file path=ppt/slides/slide3.xml><?xml version="1.0" encoding="utf-8"?>
+<p:sld xmlns:a="http://schemas.openxmlformats.org/drawingml/2006/main" xmlns:r="http://schemas.openxmlformats.org/officeDocument/2006/relationships" xmlns:p="http://schemas.openxmlformats.org/presentationml/2006/main">
+  <p:cSld>
+    <p:spTree>
+      <p:nvGrpSpPr>
+        <p:cNvPr id="1" name=""/>
+        <p:cNvGrpSpPr/>
+        <p:nvPr/>
+      </p:nvGrpSpPr>
+      <p:grpSpPr>
+        <a:xfrm>
+          <a:off x="0" y="0"/>
+          <a:ext cx="0" cy="0"/>
+          <a:chOff x="0" y="0"/>
+          <a:chExt cx="0" cy="0"/>
+        </a:xfrm>
+      </p:grpSpPr>
+      <p:sp>
+        <p:nvSpPr>
+          <p:cNvPr id="2" name="Title 1">
+            <a:extLst>
+              <a:ext uri="{FF2B5EF4-FFF2-40B4-BE49-F238E27FC236}">
+                <a16:creationId xmlns:a16="http://schemas.microsoft.com/office/drawing/2014/main" id="{D430D152-EFA9-402B-B4EA-31758B37B01B}"/>
+              </a:ext>
+            </a:extLst>
+          </p:cNvPr>
+          <p:cNvSpPr>
+            <a:spLocks noGrp="1"/>
+          </p:cNvSpPr>
+          <p:nvPr>
+            <p:ph type="title"/>
+          </p:nvPr>
+        </p:nvSpPr>
+        <p:spPr/>
+        <p:txBody>
+          <a:bodyPr/>
+          <a:lstStyle/>
+          <a:p>
+            <a:r>
+              <a:rPr lang="en-GB" altLang="zh-TW" dirty="0"/>
+              <a:t>Today’s goal</a:t>
+            </a:r>
+            <a:endParaRPr lang="zh-TW" altLang="en-US" dirty="0"/>
+          </a:p>
+        </p:txBody>
+      </p:sp>
+      <p:sp>
+        <p:nvSpPr>
+          <p:cNvPr id="3" name="Content Placeholder 2">
+            <a:extLst>
+              <a:ext uri="{FF2B5EF4-FFF2-40B4-BE49-F238E27FC236}">
+                <a16:creationId xmlns:a16="http://schemas.microsoft.com/office/drawing/2014/main" id="{EC040FEC-636A-43C5-B497-7C94AE878A7E}"/>
+              </a:ext>
+            </a:extLst>
+          </p:cNvPr>
+          <p:cNvSpPr>
+            <a:spLocks noGrp="1"/>
+          </p:cNvSpPr>
+          <p:nvPr>
+            <p:ph idx="1"/>
+          </p:nvPr>
+        </p:nvSpPr>
+        <p:spPr/>
+        <p:txBody>
+          <a:bodyPr/>
+          <a:lstStyle/>
+          <a:p>
+            <a:r>
+              <a:rPr lang="en-GB" altLang="zh-TW" dirty="0"/>
+              <a:t>Solve minimum cut problem</a:t>
+            </a:r>
+          </a:p>
+          <a:p>
+            <a:r>
+              <a:rPr lang="en-GB" altLang="zh-TW" dirty="0"/>
+              <a:t>Solve maximum flow problem</a:t>
+            </a:r>
+          </a:p>
+          <a:p>
+            <a:r>
+              <a:rPr lang="en-GB" altLang="zh-TW" dirty="0"/>
+              <a:t>Prove that they are equivalent</a:t>
+            </a:r>
+          </a:p>
+          <a:p>
+            <a:endParaRPr lang="zh-TW" altLang="en-US" dirty="0"/>
+          </a:p>
+        </p:txBody>
+      </p:sp>
+    </p:spTree>
+    <p:extLst>
+      <p:ext uri="{BB962C8B-B14F-4D97-AF65-F5344CB8AC3E}">
+        <p14:creationId xmlns:p14="http://schemas.microsoft.com/office/powerpoint/2010/main" val="324685305"/>
+      </p:ext>
+    </p:extLst>
+  </p:cSld>
+  <p:clrMapOvr>
+    <a:masterClrMapping/>
+  </p:clrMapOvr>
+</p:sld>
+</file>
+
+<file path=ppt/slides/slide4.xml><?xml version="1.0" encoding="utf-8"?>
 <p:sld xmlns:a="http://schemas.openxmlformats.org/drawingml/2006/main" xmlns:r="http://schemas.openxmlformats.org/officeDocument/2006/relationships" xmlns:p="http://schemas.openxmlformats.org/presentationml/2006/main">
   <p:cSld>
     <p:spTree>
@@ -10460,8 +11437,8 @@
           </a:p>
         </p:txBody>
       </p:sp>
-      <mc:AlternateContent xmlns:mc="http://schemas.openxmlformats.org/markup-compatibility/2006">
-        <mc:Choice xmlns:a14="http://schemas.microsoft.com/office/drawing/2010/main" Requires="a14">
+      <mc:AlternateContent xmlns:mc="http://schemas.openxmlformats.org/markup-compatibility/2006" xmlns:a14="http://schemas.microsoft.com/office/drawing/2010/main">
+        <mc:Choice Requires="a14">
           <p:sp>
             <p:nvSpPr>
               <p:cNvPr id="3" name="Content Placeholder 2">
@@ -10926,7 +11903,7 @@
             </p:txBody>
           </p:sp>
         </mc:Choice>
-        <mc:Fallback>
+        <mc:Fallback xmlns="">
           <p:sp>
             <p:nvSpPr>
               <p:cNvPr id="3" name="Content Placeholder 2">
@@ -11009,7 +11986,7 @@
 </p:sld>
 </file>
 
-<file path=ppt/slides/slide4.xml><?xml version="1.0" encoding="utf-8"?>
+<file path=ppt/slides/slide5.xml><?xml version="1.0" encoding="utf-8"?>
 <p:sld xmlns:a="http://schemas.openxmlformats.org/drawingml/2006/main" xmlns:r="http://schemas.openxmlformats.org/officeDocument/2006/relationships" xmlns:p="http://schemas.openxmlformats.org/presentationml/2006/main">
   <p:cSld>
     <p:spTree>
@@ -11051,8 +12028,8 @@
           </a:p>
         </p:txBody>
       </p:sp>
-      <mc:AlternateContent xmlns:mc="http://schemas.openxmlformats.org/markup-compatibility/2006">
-        <mc:Choice xmlns:a14="http://schemas.microsoft.com/office/drawing/2010/main" Requires="a14">
+      <mc:AlternateContent xmlns:mc="http://schemas.openxmlformats.org/markup-compatibility/2006" xmlns:a14="http://schemas.microsoft.com/office/drawing/2010/main">
+        <mc:Choice Requires="a14">
           <p:sp>
             <p:nvSpPr>
               <p:cNvPr id="3" name="Content Placeholder 2">
@@ -11136,13 +12113,7 @@
                       <a:rPr lang="en-GB" altLang="zh-TW" b="0" i="1" smtClean="0">
                         <a:latin typeface="Cambria Math" panose="02040503050406030204" pitchFamily="18" charset="0"/>
                       </a:rPr>
-                      <m:t>=</m:t>
-                    </m:r>
-                    <m:r>
-                      <a:rPr lang="en-GB" altLang="zh-TW" b="0" i="1" smtClean="0">
-                        <a:latin typeface="Cambria Math" panose="02040503050406030204" pitchFamily="18" charset="0"/>
-                      </a:rPr>
-                      <m:t>28</m:t>
+                      <m:t>=28</m:t>
                     </m:r>
                   </m:oMath>
                 </a14:m>
@@ -11151,7 +12122,7 @@
             </p:txBody>
           </p:sp>
         </mc:Choice>
-        <mc:Fallback>
+        <mc:Fallback xmlns="">
           <p:sp>
             <p:nvSpPr>
               <p:cNvPr id="3" name="Content Placeholder 2">
@@ -11234,7 +12205,7 @@
 </p:sld>
 </file>
 
-<file path=ppt/slides/slide5.xml><?xml version="1.0" encoding="utf-8"?>
+<file path=ppt/slides/slide6.xml><?xml version="1.0" encoding="utf-8"?>
 <p:sld xmlns:a="http://schemas.openxmlformats.org/drawingml/2006/main" xmlns:r="http://schemas.openxmlformats.org/officeDocument/2006/relationships" xmlns:p="http://schemas.openxmlformats.org/presentationml/2006/main">
   <p:cSld>
     <p:spTree>
@@ -11280,8 +12251,8 @@
           </a:p>
         </p:txBody>
       </p:sp>
-      <mc:AlternateContent xmlns:mc="http://schemas.openxmlformats.org/markup-compatibility/2006">
-        <mc:Choice xmlns:a14="http://schemas.microsoft.com/office/drawing/2010/main" Requires="a14">
+      <mc:AlternateContent xmlns:mc="http://schemas.openxmlformats.org/markup-compatibility/2006" xmlns:a14="http://schemas.microsoft.com/office/drawing/2010/main">
+        <mc:Choice Requires="a14">
           <p:sp>
             <p:nvSpPr>
               <p:cNvPr id="3" name="Content Placeholder 2">
@@ -11669,7 +12640,7 @@
             </p:txBody>
           </p:sp>
         </mc:Choice>
-        <mc:Fallback>
+        <mc:Fallback xmlns="">
           <p:sp>
             <p:nvSpPr>
               <p:cNvPr id="3" name="Content Placeholder 2">
@@ -11752,7 +12723,7 @@
 </p:sld>
 </file>
 
-<file path=ppt/slides/slide6.xml><?xml version="1.0" encoding="utf-8"?>
+<file path=ppt/slides/slide7.xml><?xml version="1.0" encoding="utf-8"?>
 <p:sld xmlns:a="http://schemas.openxmlformats.org/drawingml/2006/main" xmlns:r="http://schemas.openxmlformats.org/officeDocument/2006/relationships" xmlns:p="http://schemas.openxmlformats.org/presentationml/2006/main">
   <p:cSld>
     <p:spTree>
@@ -11794,8 +12765,8 @@
           </a:p>
         </p:txBody>
       </p:sp>
-      <mc:AlternateContent xmlns:mc="http://schemas.openxmlformats.org/markup-compatibility/2006">
-        <mc:Choice xmlns:a14="http://schemas.microsoft.com/office/drawing/2010/main" Requires="a14">
+      <mc:AlternateContent xmlns:mc="http://schemas.openxmlformats.org/markup-compatibility/2006" xmlns:a14="http://schemas.microsoft.com/office/drawing/2010/main">
+        <mc:Choice Requires="a14">
           <p:sp>
             <p:nvSpPr>
               <p:cNvPr id="3" name="Content Placeholder 2">
@@ -12003,7 +12974,7 @@
             </p:txBody>
           </p:sp>
         </mc:Choice>
-        <mc:Fallback>
+        <mc:Fallback xmlns="">
           <p:sp>
             <p:nvSpPr>
               <p:cNvPr id="3" name="Content Placeholder 2">
@@ -12086,7 +13057,7 @@
 </p:sld>
 </file>
 
-<file path=ppt/slides/slide7.xml><?xml version="1.0" encoding="utf-8"?>
+<file path=ppt/slides/slide8.xml><?xml version="1.0" encoding="utf-8"?>
 <p:sld xmlns:a="http://schemas.openxmlformats.org/drawingml/2006/main" xmlns:r="http://schemas.openxmlformats.org/officeDocument/2006/relationships" xmlns:p="http://schemas.openxmlformats.org/presentationml/2006/main">
   <p:cSld>
     <p:spTree>
@@ -12128,8 +13099,8 @@
           </a:p>
         </p:txBody>
       </p:sp>
-      <mc:AlternateContent xmlns:mc="http://schemas.openxmlformats.org/markup-compatibility/2006">
-        <mc:Choice xmlns:a14="http://schemas.microsoft.com/office/drawing/2010/main" Requires="a14">
+      <mc:AlternateContent xmlns:mc="http://schemas.openxmlformats.org/markup-compatibility/2006" xmlns:a14="http://schemas.microsoft.com/office/drawing/2010/main">
+        <mc:Choice Requires="a14">
           <p:sp>
             <p:nvSpPr>
               <p:cNvPr id="3" name="Content Placeholder 2">
@@ -12189,13 +13160,7 @@
                       <a:rPr lang="en-GB" altLang="zh-TW" b="0" i="1" smtClean="0">
                         <a:latin typeface="Cambria Math" panose="02040503050406030204" pitchFamily="18" charset="0"/>
                       </a:rPr>
-                      <m:t>=2</m:t>
-                    </m:r>
-                    <m:r>
-                      <a:rPr lang="en-GB" altLang="zh-TW" b="0" i="1" smtClean="0">
-                        <a:latin typeface="Cambria Math" panose="02040503050406030204" pitchFamily="18" charset="0"/>
-                      </a:rPr>
-                      <m:t>8</m:t>
+                      <m:t>=28</m:t>
                     </m:r>
                   </m:oMath>
                 </a14:m>
@@ -12204,7 +13169,7 @@
             </p:txBody>
           </p:sp>
         </mc:Choice>
-        <mc:Fallback>
+        <mc:Fallback xmlns="">
           <p:sp>
             <p:nvSpPr>
               <p:cNvPr id="3" name="Content Placeholder 2">
@@ -12287,7 +13252,7 @@
 </p:sld>
 </file>
 
-<file path=ppt/slides/slide8.xml><?xml version="1.0" encoding="utf-8"?>
+<file path=ppt/slides/slide9.xml><?xml version="1.0" encoding="utf-8"?>
 <p:sld xmlns:a="http://schemas.openxmlformats.org/drawingml/2006/main" xmlns:r="http://schemas.openxmlformats.org/officeDocument/2006/relationships" xmlns:p="http://schemas.openxmlformats.org/presentationml/2006/main">
   <p:cSld>
     <p:spTree>
@@ -12414,116 +13379,6 @@
     <p:extLst>
       <p:ext uri="{BB962C8B-B14F-4D97-AF65-F5344CB8AC3E}">
         <p14:creationId xmlns:p14="http://schemas.microsoft.com/office/powerpoint/2010/main" val="3957425788"/>
-      </p:ext>
-    </p:extLst>
-  </p:cSld>
-  <p:clrMapOvr>
-    <a:masterClrMapping/>
-  </p:clrMapOvr>
-</p:sld>
-</file>
-
-<file path=ppt/slides/slide9.xml><?xml version="1.0" encoding="utf-8"?>
-<p:sld xmlns:a="http://schemas.openxmlformats.org/drawingml/2006/main" xmlns:r="http://schemas.openxmlformats.org/officeDocument/2006/relationships" xmlns:p="http://schemas.openxmlformats.org/presentationml/2006/main">
-  <p:cSld>
-    <p:spTree>
-      <p:nvGrpSpPr>
-        <p:cNvPr id="1" name=""/>
-        <p:cNvGrpSpPr/>
-        <p:nvPr/>
-      </p:nvGrpSpPr>
-      <p:grpSpPr>
-        <a:xfrm>
-          <a:off x="0" y="0"/>
-          <a:ext cx="0" cy="0"/>
-          <a:chOff x="0" y="0"/>
-          <a:chExt cx="0" cy="0"/>
-        </a:xfrm>
-      </p:grpSpPr>
-      <p:sp>
-        <p:nvSpPr>
-          <p:cNvPr id="2" name="Title 1">
-            <a:extLst>
-              <a:ext uri="{FF2B5EF4-FFF2-40B4-BE49-F238E27FC236}">
-                <a16:creationId xmlns:a16="http://schemas.microsoft.com/office/drawing/2014/main" id="{026C3AAB-EE96-45C9-A7C7-D26B98E066EC}"/>
-              </a:ext>
-            </a:extLst>
-          </p:cNvPr>
-          <p:cNvSpPr>
-            <a:spLocks noGrp="1"/>
-          </p:cNvSpPr>
-          <p:nvPr>
-            <p:ph type="title"/>
-          </p:nvPr>
-        </p:nvSpPr>
-        <p:spPr/>
-        <p:txBody>
-          <a:bodyPr/>
-          <a:lstStyle/>
-          <a:p>
-            <a:endParaRPr lang="zh-TW" altLang="en-US"/>
-          </a:p>
-        </p:txBody>
-      </p:sp>
-      <p:sp>
-        <p:nvSpPr>
-          <p:cNvPr id="3" name="Content Placeholder 2">
-            <a:extLst>
-              <a:ext uri="{FF2B5EF4-FFF2-40B4-BE49-F238E27FC236}">
-                <a16:creationId xmlns:a16="http://schemas.microsoft.com/office/drawing/2014/main" id="{B5DF7757-8F9E-48BF-8B0B-E97409025340}"/>
-              </a:ext>
-            </a:extLst>
-          </p:cNvPr>
-          <p:cNvSpPr>
-            <a:spLocks noGrp="1"/>
-          </p:cNvSpPr>
-          <p:nvPr>
-            <p:ph idx="1"/>
-          </p:nvPr>
-        </p:nvSpPr>
-        <p:spPr/>
-        <p:txBody>
-          <a:bodyPr/>
-          <a:lstStyle/>
-          <a:p>
-            <a:endParaRPr lang="zh-TW" altLang="en-US"/>
-          </a:p>
-        </p:txBody>
-      </p:sp>
-      <p:pic>
-        <p:nvPicPr>
-          <p:cNvPr id="4" name="Picture 3">
-            <a:extLst>
-              <a:ext uri="{FF2B5EF4-FFF2-40B4-BE49-F238E27FC236}">
-                <a16:creationId xmlns:a16="http://schemas.microsoft.com/office/drawing/2014/main" id="{5758A6F1-F657-4F0F-8512-7DD35D556DCB}"/>
-              </a:ext>
-            </a:extLst>
-          </p:cNvPr>
-          <p:cNvPicPr>
-            <a:picLocks noChangeAspect="1"/>
-          </p:cNvPicPr>
-          <p:nvPr/>
-        </p:nvPicPr>
-        <p:blipFill>
-          <a:blip r:embed="rId2"/>
-          <a:stretch>
-            <a:fillRect/>
-          </a:stretch>
-        </p:blipFill>
-        <p:spPr>
-          <a:xfrm>
-            <a:off x="2130512" y="2824357"/>
-            <a:ext cx="7360734" cy="2061005"/>
-          </a:xfrm>
-          <a:prstGeom prst="rect">
-            <a:avLst/>
-          </a:prstGeom>
-        </p:spPr>
-      </p:pic>
-    </p:spTree>
-    <p:extLst>
-      <p:ext uri="{BB962C8B-B14F-4D97-AF65-F5344CB8AC3E}">
-        <p14:creationId xmlns:p14="http://schemas.microsoft.com/office/powerpoint/2010/main" val="446239290"/>
       </p:ext>
     </p:extLst>
   </p:cSld>
@@ -12826,4 +13681,299 @@
     </a:ext>
   </a:extLst>
 </a:theme>
+</file>
+
+<file path=ppt/theme/theme2.xml><?xml version="1.0" encoding="utf-8"?>
+<a:theme xmlns:a="http://schemas.openxmlformats.org/drawingml/2006/main" name="Office Theme">
+  <a:themeElements>
+    <a:clrScheme name="Office">
+      <a:dk1>
+        <a:sysClr val="windowText" lastClr="000000"/>
+      </a:dk1>
+      <a:lt1>
+        <a:sysClr val="window" lastClr="FFFFFF"/>
+      </a:lt1>
+      <a:dk2>
+        <a:srgbClr val="44546A"/>
+      </a:dk2>
+      <a:lt2>
+        <a:srgbClr val="E7E6E6"/>
+      </a:lt2>
+      <a:accent1>
+        <a:srgbClr val="4472C4"/>
+      </a:accent1>
+      <a:accent2>
+        <a:srgbClr val="ED7D31"/>
+      </a:accent2>
+      <a:accent3>
+        <a:srgbClr val="A5A5A5"/>
+      </a:accent3>
+      <a:accent4>
+        <a:srgbClr val="FFC000"/>
+      </a:accent4>
+      <a:accent5>
+        <a:srgbClr val="5B9BD5"/>
+      </a:accent5>
+      <a:accent6>
+        <a:srgbClr val="70AD47"/>
+      </a:accent6>
+      <a:hlink>
+        <a:srgbClr val="0563C1"/>
+      </a:hlink>
+      <a:folHlink>
+        <a:srgbClr val="954F72"/>
+      </a:folHlink>
+    </a:clrScheme>
+    <a:fontScheme name="Office">
+      <a:majorFont>
+        <a:latin typeface="Calibri Light" panose="020F0302020204030204"/>
+        <a:ea typeface=""/>
+        <a:cs typeface=""/>
+        <a:font script="Jpan" typeface="游ゴシック Light"/>
+        <a:font script="Hang" typeface="맑은 고딕"/>
+        <a:font script="Hans" typeface="等线 Light"/>
+        <a:font script="Hant" typeface="新細明體"/>
+        <a:font script="Arab" typeface="Times New Roman"/>
+        <a:font script="Hebr" typeface="Times New Roman"/>
+        <a:font script="Thai" typeface="Angsana New"/>
+        <a:font script="Ethi" typeface="Nyala"/>
+        <a:font script="Beng" typeface="Vrinda"/>
+        <a:font script="Gujr" typeface="Shruti"/>
+        <a:font script="Khmr" typeface="MoolBoran"/>
+        <a:font script="Knda" typeface="Tunga"/>
+        <a:font script="Guru" typeface="Raavi"/>
+        <a:font script="Cans" typeface="Euphemia"/>
+        <a:font script="Cher" typeface="Plantagenet Cherokee"/>
+        <a:font script="Yiii" typeface="Microsoft Yi Baiti"/>
+        <a:font script="Tibt" typeface="Microsoft Himalaya"/>
+        <a:font script="Thaa" typeface="MV Boli"/>
+        <a:font script="Deva" typeface="Mangal"/>
+        <a:font script="Telu" typeface="Gautami"/>
+        <a:font script="Taml" typeface="Latha"/>
+        <a:font script="Syrc" typeface="Estrangelo Edessa"/>
+        <a:font script="Orya" typeface="Kalinga"/>
+        <a:font script="Mlym" typeface="Kartika"/>
+        <a:font script="Laoo" typeface="DokChampa"/>
+        <a:font script="Sinh" typeface="Iskoola Pota"/>
+        <a:font script="Mong" typeface="Mongolian Baiti"/>
+        <a:font script="Viet" typeface="Times New Roman"/>
+        <a:font script="Uigh" typeface="Microsoft Uighur"/>
+        <a:font script="Geor" typeface="Sylfaen"/>
+        <a:font script="Armn" typeface="Arial"/>
+        <a:font script="Bugi" typeface="Leelawadee UI"/>
+        <a:font script="Bopo" typeface="Microsoft JhengHei"/>
+        <a:font script="Java" typeface="Javanese Text"/>
+        <a:font script="Lisu" typeface="Segoe UI"/>
+        <a:font script="Mymr" typeface="Myanmar Text"/>
+        <a:font script="Nkoo" typeface="Ebrima"/>
+        <a:font script="Olck" typeface="Nirmala UI"/>
+        <a:font script="Osma" typeface="Ebrima"/>
+        <a:font script="Phag" typeface="Phagspa"/>
+        <a:font script="Syrn" typeface="Estrangelo Edessa"/>
+        <a:font script="Syrj" typeface="Estrangelo Edessa"/>
+        <a:font script="Syre" typeface="Estrangelo Edessa"/>
+        <a:font script="Sora" typeface="Nirmala UI"/>
+        <a:font script="Tale" typeface="Microsoft Tai Le"/>
+        <a:font script="Talu" typeface="Microsoft New Tai Lue"/>
+        <a:font script="Tfng" typeface="Ebrima"/>
+      </a:majorFont>
+      <a:minorFont>
+        <a:latin typeface="Calibri" panose="020F0502020204030204"/>
+        <a:ea typeface=""/>
+        <a:cs typeface=""/>
+        <a:font script="Jpan" typeface="游ゴシック"/>
+        <a:font script="Hang" typeface="맑은 고딕"/>
+        <a:font script="Hans" typeface="等线"/>
+        <a:font script="Hant" typeface="新細明體"/>
+        <a:font script="Arab" typeface="Arial"/>
+        <a:font script="Hebr" typeface="Arial"/>
+        <a:font script="Thai" typeface="Cordia New"/>
+        <a:font script="Ethi" typeface="Nyala"/>
+        <a:font script="Beng" typeface="Vrinda"/>
+        <a:font script="Gujr" typeface="Shruti"/>
+        <a:font script="Khmr" typeface="DaunPenh"/>
+        <a:font script="Knda" typeface="Tunga"/>
+        <a:font script="Guru" typeface="Raavi"/>
+        <a:font script="Cans" typeface="Euphemia"/>
+        <a:font script="Cher" typeface="Plantagenet Cherokee"/>
+        <a:font script="Yiii" typeface="Microsoft Yi Baiti"/>
+        <a:font script="Tibt" typeface="Microsoft Himalaya"/>
+        <a:font script="Thaa" typeface="MV Boli"/>
+        <a:font script="Deva" typeface="Mangal"/>
+        <a:font script="Telu" typeface="Gautami"/>
+        <a:font script="Taml" typeface="Latha"/>
+        <a:font script="Syrc" typeface="Estrangelo Edessa"/>
+        <a:font script="Orya" typeface="Kalinga"/>
+        <a:font script="Mlym" typeface="Kartika"/>
+        <a:font script="Laoo" typeface="DokChampa"/>
+        <a:font script="Sinh" typeface="Iskoola Pota"/>
+        <a:font script="Mong" typeface="Mongolian Baiti"/>
+        <a:font script="Viet" typeface="Arial"/>
+        <a:font script="Uigh" typeface="Microsoft Uighur"/>
+        <a:font script="Geor" typeface="Sylfaen"/>
+        <a:font script="Armn" typeface="Arial"/>
+        <a:font script="Bugi" typeface="Leelawadee UI"/>
+        <a:font script="Bopo" typeface="Microsoft JhengHei"/>
+        <a:font script="Java" typeface="Javanese Text"/>
+        <a:font script="Lisu" typeface="Segoe UI"/>
+        <a:font script="Mymr" typeface="Myanmar Text"/>
+        <a:font script="Nkoo" typeface="Ebrima"/>
+        <a:font script="Olck" typeface="Nirmala UI"/>
+        <a:font script="Osma" typeface="Ebrima"/>
+        <a:font script="Phag" typeface="Phagspa"/>
+        <a:font script="Syrn" typeface="Estrangelo Edessa"/>
+        <a:font script="Syrj" typeface="Estrangelo Edessa"/>
+        <a:font script="Syre" typeface="Estrangelo Edessa"/>
+        <a:font script="Sora" typeface="Nirmala UI"/>
+        <a:font script="Tale" typeface="Microsoft Tai Le"/>
+        <a:font script="Talu" typeface="Microsoft New Tai Lue"/>
+        <a:font script="Tfng" typeface="Ebrima"/>
+      </a:minorFont>
+    </a:fontScheme>
+    <a:fmtScheme name="Office">
+      <a:fillStyleLst>
+        <a:solidFill>
+          <a:schemeClr val="phClr"/>
+        </a:solidFill>
+        <a:gradFill rotWithShape="1">
+          <a:gsLst>
+            <a:gs pos="0">
+              <a:schemeClr val="phClr">
+                <a:lumMod val="110000"/>
+                <a:satMod val="105000"/>
+                <a:tint val="67000"/>
+              </a:schemeClr>
+            </a:gs>
+            <a:gs pos="50000">
+              <a:schemeClr val="phClr">
+                <a:lumMod val="105000"/>
+                <a:satMod val="103000"/>
+                <a:tint val="73000"/>
+              </a:schemeClr>
+            </a:gs>
+            <a:gs pos="100000">
+              <a:schemeClr val="phClr">
+                <a:lumMod val="105000"/>
+                <a:satMod val="109000"/>
+                <a:tint val="81000"/>
+              </a:schemeClr>
+            </a:gs>
+          </a:gsLst>
+          <a:lin ang="5400000" scaled="0"/>
+        </a:gradFill>
+        <a:gradFill rotWithShape="1">
+          <a:gsLst>
+            <a:gs pos="0">
+              <a:schemeClr val="phClr">
+                <a:satMod val="103000"/>
+                <a:lumMod val="102000"/>
+                <a:tint val="94000"/>
+              </a:schemeClr>
+            </a:gs>
+            <a:gs pos="50000">
+              <a:schemeClr val="phClr">
+                <a:satMod val="110000"/>
+                <a:lumMod val="100000"/>
+                <a:shade val="100000"/>
+              </a:schemeClr>
+            </a:gs>
+            <a:gs pos="100000">
+              <a:schemeClr val="phClr">
+                <a:lumMod val="99000"/>
+                <a:satMod val="120000"/>
+                <a:shade val="78000"/>
+              </a:schemeClr>
+            </a:gs>
+          </a:gsLst>
+          <a:lin ang="5400000" scaled="0"/>
+        </a:gradFill>
+      </a:fillStyleLst>
+      <a:lnStyleLst>
+        <a:ln w="6350" cap="flat" cmpd="sng" algn="ctr">
+          <a:solidFill>
+            <a:schemeClr val="phClr"/>
+          </a:solidFill>
+          <a:prstDash val="solid"/>
+          <a:miter lim="800000"/>
+        </a:ln>
+        <a:ln w="12700" cap="flat" cmpd="sng" algn="ctr">
+          <a:solidFill>
+            <a:schemeClr val="phClr"/>
+          </a:solidFill>
+          <a:prstDash val="solid"/>
+          <a:miter lim="800000"/>
+        </a:ln>
+        <a:ln w="19050" cap="flat" cmpd="sng" algn="ctr">
+          <a:solidFill>
+            <a:schemeClr val="phClr"/>
+          </a:solidFill>
+          <a:prstDash val="solid"/>
+          <a:miter lim="800000"/>
+        </a:ln>
+      </a:lnStyleLst>
+      <a:effectStyleLst>
+        <a:effectStyle>
+          <a:effectLst/>
+        </a:effectStyle>
+        <a:effectStyle>
+          <a:effectLst/>
+        </a:effectStyle>
+        <a:effectStyle>
+          <a:effectLst>
+            <a:outerShdw blurRad="57150" dist="19050" dir="5400000" algn="ctr" rotWithShape="0">
+              <a:srgbClr val="000000">
+                <a:alpha val="63000"/>
+              </a:srgbClr>
+            </a:outerShdw>
+          </a:effectLst>
+        </a:effectStyle>
+      </a:effectStyleLst>
+      <a:bgFillStyleLst>
+        <a:solidFill>
+          <a:schemeClr val="phClr"/>
+        </a:solidFill>
+        <a:solidFill>
+          <a:schemeClr val="phClr">
+            <a:tint val="95000"/>
+            <a:satMod val="170000"/>
+          </a:schemeClr>
+        </a:solidFill>
+        <a:gradFill rotWithShape="1">
+          <a:gsLst>
+            <a:gs pos="0">
+              <a:schemeClr val="phClr">
+                <a:tint val="93000"/>
+                <a:satMod val="150000"/>
+                <a:shade val="98000"/>
+                <a:lumMod val="102000"/>
+              </a:schemeClr>
+            </a:gs>
+            <a:gs pos="50000">
+              <a:schemeClr val="phClr">
+                <a:tint val="98000"/>
+                <a:satMod val="130000"/>
+                <a:shade val="90000"/>
+                <a:lumMod val="103000"/>
+              </a:schemeClr>
+            </a:gs>
+            <a:gs pos="100000">
+              <a:schemeClr val="phClr">
+                <a:shade val="63000"/>
+                <a:satMod val="120000"/>
+              </a:schemeClr>
+            </a:gs>
+          </a:gsLst>
+          <a:lin ang="5400000" scaled="0"/>
+        </a:gradFill>
+      </a:bgFillStyleLst>
+    </a:fmtScheme>
+  </a:themeElements>
+  <a:objectDefaults/>
+  <a:extraClrSchemeLst/>
+  <a:extLst>
+    <a:ext uri="{05A4C25C-085E-4340-85A3-A5531E510DB2}">
+      <thm15:themeFamily xmlns:thm15="http://schemas.microsoft.com/office/thememl/2012/main" name="Office Theme" id="{62F939B6-93AF-4DB8-9C6B-D6C7DFDC589F}" vid="{4A3C46E8-61CC-4603-A589-7422A47A8E4A}"/>
+    </a:ext>
+  </a:extLst>
+</a:theme>
 </file>